--- a/Kafka.pptx
+++ b/Kafka.pptx
@@ -5,19 +5,25 @@
     <p:sldMasterId id="2147483668" r:id="rId2"/>
   </p:sldMasterIdLst>
   <p:notesMasterIdLst>
-    <p:notesMasterId r:id="rId13"/>
+    <p:notesMasterId r:id="rId19"/>
   </p:notesMasterIdLst>
   <p:sldIdLst>
     <p:sldId id="256" r:id="rId3"/>
     <p:sldId id="312" r:id="rId4"/>
     <p:sldId id="313" r:id="rId5"/>
-    <p:sldId id="314" r:id="rId6"/>
-    <p:sldId id="315" r:id="rId7"/>
-    <p:sldId id="316" r:id="rId8"/>
-    <p:sldId id="317" r:id="rId9"/>
-    <p:sldId id="318" r:id="rId10"/>
-    <p:sldId id="319" r:id="rId11"/>
-    <p:sldId id="320" r:id="rId12"/>
+    <p:sldId id="324" r:id="rId6"/>
+    <p:sldId id="314" r:id="rId7"/>
+    <p:sldId id="315" r:id="rId8"/>
+    <p:sldId id="316" r:id="rId9"/>
+    <p:sldId id="317" r:id="rId10"/>
+    <p:sldId id="323" r:id="rId11"/>
+    <p:sldId id="325" r:id="rId12"/>
+    <p:sldId id="318" r:id="rId13"/>
+    <p:sldId id="319" r:id="rId14"/>
+    <p:sldId id="326" r:id="rId15"/>
+    <p:sldId id="321" r:id="rId16"/>
+    <p:sldId id="322" r:id="rId17"/>
+    <p:sldId id="320" r:id="rId18"/>
   </p:sldIdLst>
   <p:sldSz cx="12192000" cy="6858000"/>
   <p:notesSz cx="6858000" cy="9144000"/>
@@ -221,7 +227,7 @@
           <a:p>
             <a:fld id="{8C96CAC6-5EE5-4DF8-BED8-337C55BC9982}" type="datetimeFigureOut">
               <a:rPr lang="en-CA" smtClean="0"/>
-              <a:t>2018-12-19</a:t>
+              <a:t>2018-12-20</a:t>
             </a:fld>
             <a:endParaRPr lang="en-CA"/>
           </a:p>
@@ -647,6 +653,510 @@
     </p:spTree>
     <p:extLst>
       <p:ext uri="{BB962C8B-B14F-4D97-AF65-F5344CB8AC3E}">
+        <p14:creationId xmlns:p14="http://schemas.microsoft.com/office/powerpoint/2010/main" val="2487940978"/>
+      </p:ext>
+    </p:extLst>
+  </p:cSld>
+  <p:clrMapOvr>
+    <a:masterClrMapping/>
+  </p:clrMapOvr>
+</p:notes>
+</file>
+
+<file path=ppt/notesSlides/notesSlide11.xml><?xml version="1.0" encoding="utf-8"?>
+<p:notes xmlns:a="http://schemas.openxmlformats.org/drawingml/2006/main" xmlns:r="http://schemas.openxmlformats.org/officeDocument/2006/relationships" xmlns:p="http://schemas.openxmlformats.org/presentationml/2006/main">
+  <p:cSld>
+    <p:spTree>
+      <p:nvGrpSpPr>
+        <p:cNvPr id="1" name=""/>
+        <p:cNvGrpSpPr/>
+        <p:nvPr/>
+      </p:nvGrpSpPr>
+      <p:grpSpPr>
+        <a:xfrm>
+          <a:off x="0" y="0"/>
+          <a:ext cx="0" cy="0"/>
+          <a:chOff x="0" y="0"/>
+          <a:chExt cx="0" cy="0"/>
+        </a:xfrm>
+      </p:grpSpPr>
+      <p:sp>
+        <p:nvSpPr>
+          <p:cNvPr id="2" name="Slide Image Placeholder 1"/>
+          <p:cNvSpPr>
+            <a:spLocks noGrp="1" noRot="1" noChangeAspect="1"/>
+          </p:cNvSpPr>
+          <p:nvPr>
+            <p:ph type="sldImg"/>
+          </p:nvPr>
+        </p:nvSpPr>
+        <p:spPr/>
+      </p:sp>
+      <p:sp>
+        <p:nvSpPr>
+          <p:cNvPr id="3" name="Notes Placeholder 2"/>
+          <p:cNvSpPr>
+            <a:spLocks noGrp="1"/>
+          </p:cNvSpPr>
+          <p:nvPr>
+            <p:ph type="body" idx="1"/>
+          </p:nvPr>
+        </p:nvSpPr>
+        <p:spPr/>
+        <p:txBody>
+          <a:bodyPr/>
+          <a:lstStyle/>
+          <a:p>
+            <a:endParaRPr lang="tr-TR"/>
+          </a:p>
+        </p:txBody>
+      </p:sp>
+      <p:sp>
+        <p:nvSpPr>
+          <p:cNvPr id="4" name="Slide Number Placeholder 3"/>
+          <p:cNvSpPr>
+            <a:spLocks noGrp="1"/>
+          </p:cNvSpPr>
+          <p:nvPr>
+            <p:ph type="sldNum" sz="quarter" idx="10"/>
+          </p:nvPr>
+        </p:nvSpPr>
+        <p:spPr/>
+        <p:txBody>
+          <a:bodyPr/>
+          <a:lstStyle/>
+          <a:p>
+            <a:fld id="{593252E7-3980-480E-A649-7AA5BEB95C47}" type="slidenum">
+              <a:rPr lang="en-CA" smtClean="0"/>
+              <a:t>11</a:t>
+            </a:fld>
+            <a:endParaRPr lang="en-CA"/>
+          </a:p>
+        </p:txBody>
+      </p:sp>
+    </p:spTree>
+    <p:extLst>
+      <p:ext uri="{BB962C8B-B14F-4D97-AF65-F5344CB8AC3E}">
+        <p14:creationId xmlns:p14="http://schemas.microsoft.com/office/powerpoint/2010/main" val="3612988836"/>
+      </p:ext>
+    </p:extLst>
+  </p:cSld>
+  <p:clrMapOvr>
+    <a:masterClrMapping/>
+  </p:clrMapOvr>
+</p:notes>
+</file>
+
+<file path=ppt/notesSlides/notesSlide12.xml><?xml version="1.0" encoding="utf-8"?>
+<p:notes xmlns:a="http://schemas.openxmlformats.org/drawingml/2006/main" xmlns:r="http://schemas.openxmlformats.org/officeDocument/2006/relationships" xmlns:p="http://schemas.openxmlformats.org/presentationml/2006/main">
+  <p:cSld>
+    <p:spTree>
+      <p:nvGrpSpPr>
+        <p:cNvPr id="1" name=""/>
+        <p:cNvGrpSpPr/>
+        <p:nvPr/>
+      </p:nvGrpSpPr>
+      <p:grpSpPr>
+        <a:xfrm>
+          <a:off x="0" y="0"/>
+          <a:ext cx="0" cy="0"/>
+          <a:chOff x="0" y="0"/>
+          <a:chExt cx="0" cy="0"/>
+        </a:xfrm>
+      </p:grpSpPr>
+      <p:sp>
+        <p:nvSpPr>
+          <p:cNvPr id="2" name="Slide Image Placeholder 1"/>
+          <p:cNvSpPr>
+            <a:spLocks noGrp="1" noRot="1" noChangeAspect="1"/>
+          </p:cNvSpPr>
+          <p:nvPr>
+            <p:ph type="sldImg"/>
+          </p:nvPr>
+        </p:nvSpPr>
+        <p:spPr/>
+      </p:sp>
+      <p:sp>
+        <p:nvSpPr>
+          <p:cNvPr id="3" name="Notes Placeholder 2"/>
+          <p:cNvSpPr>
+            <a:spLocks noGrp="1"/>
+          </p:cNvSpPr>
+          <p:nvPr>
+            <p:ph type="body" idx="1"/>
+          </p:nvPr>
+        </p:nvSpPr>
+        <p:spPr/>
+        <p:txBody>
+          <a:bodyPr/>
+          <a:lstStyle/>
+          <a:p>
+            <a:endParaRPr lang="tr-TR"/>
+          </a:p>
+        </p:txBody>
+      </p:sp>
+      <p:sp>
+        <p:nvSpPr>
+          <p:cNvPr id="4" name="Slide Number Placeholder 3"/>
+          <p:cNvSpPr>
+            <a:spLocks noGrp="1"/>
+          </p:cNvSpPr>
+          <p:nvPr>
+            <p:ph type="sldNum" sz="quarter" idx="10"/>
+          </p:nvPr>
+        </p:nvSpPr>
+        <p:spPr/>
+        <p:txBody>
+          <a:bodyPr/>
+          <a:lstStyle/>
+          <a:p>
+            <a:fld id="{593252E7-3980-480E-A649-7AA5BEB95C47}" type="slidenum">
+              <a:rPr lang="en-CA" smtClean="0"/>
+              <a:t>12</a:t>
+            </a:fld>
+            <a:endParaRPr lang="en-CA"/>
+          </a:p>
+        </p:txBody>
+      </p:sp>
+    </p:spTree>
+    <p:extLst>
+      <p:ext uri="{BB962C8B-B14F-4D97-AF65-F5344CB8AC3E}">
+        <p14:creationId xmlns:p14="http://schemas.microsoft.com/office/powerpoint/2010/main" val="1078659065"/>
+      </p:ext>
+    </p:extLst>
+  </p:cSld>
+  <p:clrMapOvr>
+    <a:masterClrMapping/>
+  </p:clrMapOvr>
+</p:notes>
+</file>
+
+<file path=ppt/notesSlides/notesSlide13.xml><?xml version="1.0" encoding="utf-8"?>
+<p:notes xmlns:a="http://schemas.openxmlformats.org/drawingml/2006/main" xmlns:r="http://schemas.openxmlformats.org/officeDocument/2006/relationships" xmlns:p="http://schemas.openxmlformats.org/presentationml/2006/main">
+  <p:cSld>
+    <p:spTree>
+      <p:nvGrpSpPr>
+        <p:cNvPr id="1" name=""/>
+        <p:cNvGrpSpPr/>
+        <p:nvPr/>
+      </p:nvGrpSpPr>
+      <p:grpSpPr>
+        <a:xfrm>
+          <a:off x="0" y="0"/>
+          <a:ext cx="0" cy="0"/>
+          <a:chOff x="0" y="0"/>
+          <a:chExt cx="0" cy="0"/>
+        </a:xfrm>
+      </p:grpSpPr>
+      <p:sp>
+        <p:nvSpPr>
+          <p:cNvPr id="2" name="Slide Image Placeholder 1"/>
+          <p:cNvSpPr>
+            <a:spLocks noGrp="1" noRot="1" noChangeAspect="1"/>
+          </p:cNvSpPr>
+          <p:nvPr>
+            <p:ph type="sldImg"/>
+          </p:nvPr>
+        </p:nvSpPr>
+        <p:spPr/>
+      </p:sp>
+      <p:sp>
+        <p:nvSpPr>
+          <p:cNvPr id="3" name="Notes Placeholder 2"/>
+          <p:cNvSpPr>
+            <a:spLocks noGrp="1"/>
+          </p:cNvSpPr>
+          <p:nvPr>
+            <p:ph type="body" idx="1"/>
+          </p:nvPr>
+        </p:nvSpPr>
+        <p:spPr/>
+        <p:txBody>
+          <a:bodyPr/>
+          <a:lstStyle/>
+          <a:p>
+            <a:endParaRPr lang="tr-TR"/>
+          </a:p>
+        </p:txBody>
+      </p:sp>
+      <p:sp>
+        <p:nvSpPr>
+          <p:cNvPr id="4" name="Slide Number Placeholder 3"/>
+          <p:cNvSpPr>
+            <a:spLocks noGrp="1"/>
+          </p:cNvSpPr>
+          <p:nvPr>
+            <p:ph type="sldNum" sz="quarter" idx="10"/>
+          </p:nvPr>
+        </p:nvSpPr>
+        <p:spPr/>
+        <p:txBody>
+          <a:bodyPr/>
+          <a:lstStyle/>
+          <a:p>
+            <a:fld id="{593252E7-3980-480E-A649-7AA5BEB95C47}" type="slidenum">
+              <a:rPr lang="en-CA" smtClean="0"/>
+              <a:t>13</a:t>
+            </a:fld>
+            <a:endParaRPr lang="en-CA"/>
+          </a:p>
+        </p:txBody>
+      </p:sp>
+    </p:spTree>
+    <p:extLst>
+      <p:ext uri="{BB962C8B-B14F-4D97-AF65-F5344CB8AC3E}">
+        <p14:creationId xmlns:p14="http://schemas.microsoft.com/office/powerpoint/2010/main" val="1325390964"/>
+      </p:ext>
+    </p:extLst>
+  </p:cSld>
+  <p:clrMapOvr>
+    <a:masterClrMapping/>
+  </p:clrMapOvr>
+</p:notes>
+</file>
+
+<file path=ppt/notesSlides/notesSlide14.xml><?xml version="1.0" encoding="utf-8"?>
+<p:notes xmlns:a="http://schemas.openxmlformats.org/drawingml/2006/main" xmlns:r="http://schemas.openxmlformats.org/officeDocument/2006/relationships" xmlns:p="http://schemas.openxmlformats.org/presentationml/2006/main">
+  <p:cSld>
+    <p:spTree>
+      <p:nvGrpSpPr>
+        <p:cNvPr id="1" name=""/>
+        <p:cNvGrpSpPr/>
+        <p:nvPr/>
+      </p:nvGrpSpPr>
+      <p:grpSpPr>
+        <a:xfrm>
+          <a:off x="0" y="0"/>
+          <a:ext cx="0" cy="0"/>
+          <a:chOff x="0" y="0"/>
+          <a:chExt cx="0" cy="0"/>
+        </a:xfrm>
+      </p:grpSpPr>
+      <p:sp>
+        <p:nvSpPr>
+          <p:cNvPr id="2" name="Slide Image Placeholder 1"/>
+          <p:cNvSpPr>
+            <a:spLocks noGrp="1" noRot="1" noChangeAspect="1"/>
+          </p:cNvSpPr>
+          <p:nvPr>
+            <p:ph type="sldImg"/>
+          </p:nvPr>
+        </p:nvSpPr>
+        <p:spPr/>
+      </p:sp>
+      <p:sp>
+        <p:nvSpPr>
+          <p:cNvPr id="3" name="Notes Placeholder 2"/>
+          <p:cNvSpPr>
+            <a:spLocks noGrp="1"/>
+          </p:cNvSpPr>
+          <p:nvPr>
+            <p:ph type="body" idx="1"/>
+          </p:nvPr>
+        </p:nvSpPr>
+        <p:spPr/>
+        <p:txBody>
+          <a:bodyPr/>
+          <a:lstStyle/>
+          <a:p>
+            <a:endParaRPr lang="tr-TR"/>
+          </a:p>
+        </p:txBody>
+      </p:sp>
+      <p:sp>
+        <p:nvSpPr>
+          <p:cNvPr id="4" name="Slide Number Placeholder 3"/>
+          <p:cNvSpPr>
+            <a:spLocks noGrp="1"/>
+          </p:cNvSpPr>
+          <p:nvPr>
+            <p:ph type="sldNum" sz="quarter" idx="10"/>
+          </p:nvPr>
+        </p:nvSpPr>
+        <p:spPr/>
+        <p:txBody>
+          <a:bodyPr/>
+          <a:lstStyle/>
+          <a:p>
+            <a:fld id="{593252E7-3980-480E-A649-7AA5BEB95C47}" type="slidenum">
+              <a:rPr lang="en-CA" smtClean="0"/>
+              <a:t>14</a:t>
+            </a:fld>
+            <a:endParaRPr lang="en-CA"/>
+          </a:p>
+        </p:txBody>
+      </p:sp>
+    </p:spTree>
+    <p:extLst>
+      <p:ext uri="{BB962C8B-B14F-4D97-AF65-F5344CB8AC3E}">
+        <p14:creationId xmlns:p14="http://schemas.microsoft.com/office/powerpoint/2010/main" val="649373766"/>
+      </p:ext>
+    </p:extLst>
+  </p:cSld>
+  <p:clrMapOvr>
+    <a:masterClrMapping/>
+  </p:clrMapOvr>
+</p:notes>
+</file>
+
+<file path=ppt/notesSlides/notesSlide15.xml><?xml version="1.0" encoding="utf-8"?>
+<p:notes xmlns:a="http://schemas.openxmlformats.org/drawingml/2006/main" xmlns:r="http://schemas.openxmlformats.org/officeDocument/2006/relationships" xmlns:p="http://schemas.openxmlformats.org/presentationml/2006/main">
+  <p:cSld>
+    <p:spTree>
+      <p:nvGrpSpPr>
+        <p:cNvPr id="1" name=""/>
+        <p:cNvGrpSpPr/>
+        <p:nvPr/>
+      </p:nvGrpSpPr>
+      <p:grpSpPr>
+        <a:xfrm>
+          <a:off x="0" y="0"/>
+          <a:ext cx="0" cy="0"/>
+          <a:chOff x="0" y="0"/>
+          <a:chExt cx="0" cy="0"/>
+        </a:xfrm>
+      </p:grpSpPr>
+      <p:sp>
+        <p:nvSpPr>
+          <p:cNvPr id="2" name="Slide Image Placeholder 1"/>
+          <p:cNvSpPr>
+            <a:spLocks noGrp="1" noRot="1" noChangeAspect="1"/>
+          </p:cNvSpPr>
+          <p:nvPr>
+            <p:ph type="sldImg"/>
+          </p:nvPr>
+        </p:nvSpPr>
+        <p:spPr/>
+      </p:sp>
+      <p:sp>
+        <p:nvSpPr>
+          <p:cNvPr id="3" name="Notes Placeholder 2"/>
+          <p:cNvSpPr>
+            <a:spLocks noGrp="1"/>
+          </p:cNvSpPr>
+          <p:nvPr>
+            <p:ph type="body" idx="1"/>
+          </p:nvPr>
+        </p:nvSpPr>
+        <p:spPr/>
+        <p:txBody>
+          <a:bodyPr/>
+          <a:lstStyle/>
+          <a:p>
+            <a:endParaRPr lang="tr-TR"/>
+          </a:p>
+        </p:txBody>
+      </p:sp>
+      <p:sp>
+        <p:nvSpPr>
+          <p:cNvPr id="4" name="Slide Number Placeholder 3"/>
+          <p:cNvSpPr>
+            <a:spLocks noGrp="1"/>
+          </p:cNvSpPr>
+          <p:nvPr>
+            <p:ph type="sldNum" sz="quarter" idx="10"/>
+          </p:nvPr>
+        </p:nvSpPr>
+        <p:spPr/>
+        <p:txBody>
+          <a:bodyPr/>
+          <a:lstStyle/>
+          <a:p>
+            <a:fld id="{593252E7-3980-480E-A649-7AA5BEB95C47}" type="slidenum">
+              <a:rPr lang="en-CA" smtClean="0"/>
+              <a:t>15</a:t>
+            </a:fld>
+            <a:endParaRPr lang="en-CA"/>
+          </a:p>
+        </p:txBody>
+      </p:sp>
+    </p:spTree>
+    <p:extLst>
+      <p:ext uri="{BB962C8B-B14F-4D97-AF65-F5344CB8AC3E}">
+        <p14:creationId xmlns:p14="http://schemas.microsoft.com/office/powerpoint/2010/main" val="1486410058"/>
+      </p:ext>
+    </p:extLst>
+  </p:cSld>
+  <p:clrMapOvr>
+    <a:masterClrMapping/>
+  </p:clrMapOvr>
+</p:notes>
+</file>
+
+<file path=ppt/notesSlides/notesSlide16.xml><?xml version="1.0" encoding="utf-8"?>
+<p:notes xmlns:a="http://schemas.openxmlformats.org/drawingml/2006/main" xmlns:r="http://schemas.openxmlformats.org/officeDocument/2006/relationships" xmlns:p="http://schemas.openxmlformats.org/presentationml/2006/main">
+  <p:cSld>
+    <p:spTree>
+      <p:nvGrpSpPr>
+        <p:cNvPr id="1" name=""/>
+        <p:cNvGrpSpPr/>
+        <p:nvPr/>
+      </p:nvGrpSpPr>
+      <p:grpSpPr>
+        <a:xfrm>
+          <a:off x="0" y="0"/>
+          <a:ext cx="0" cy="0"/>
+          <a:chOff x="0" y="0"/>
+          <a:chExt cx="0" cy="0"/>
+        </a:xfrm>
+      </p:grpSpPr>
+      <p:sp>
+        <p:nvSpPr>
+          <p:cNvPr id="2" name="Slide Image Placeholder 1"/>
+          <p:cNvSpPr>
+            <a:spLocks noGrp="1" noRot="1" noChangeAspect="1"/>
+          </p:cNvSpPr>
+          <p:nvPr>
+            <p:ph type="sldImg"/>
+          </p:nvPr>
+        </p:nvSpPr>
+        <p:spPr/>
+      </p:sp>
+      <p:sp>
+        <p:nvSpPr>
+          <p:cNvPr id="3" name="Notes Placeholder 2"/>
+          <p:cNvSpPr>
+            <a:spLocks noGrp="1"/>
+          </p:cNvSpPr>
+          <p:nvPr>
+            <p:ph type="body" idx="1"/>
+          </p:nvPr>
+        </p:nvSpPr>
+        <p:spPr/>
+        <p:txBody>
+          <a:bodyPr/>
+          <a:lstStyle/>
+          <a:p>
+            <a:endParaRPr lang="tr-TR"/>
+          </a:p>
+        </p:txBody>
+      </p:sp>
+      <p:sp>
+        <p:nvSpPr>
+          <p:cNvPr id="4" name="Slide Number Placeholder 3"/>
+          <p:cNvSpPr>
+            <a:spLocks noGrp="1"/>
+          </p:cNvSpPr>
+          <p:nvPr>
+            <p:ph type="sldNum" sz="quarter" idx="10"/>
+          </p:nvPr>
+        </p:nvSpPr>
+        <p:spPr/>
+        <p:txBody>
+          <a:bodyPr/>
+          <a:lstStyle/>
+          <a:p>
+            <a:fld id="{593252E7-3980-480E-A649-7AA5BEB95C47}" type="slidenum">
+              <a:rPr lang="en-CA" smtClean="0"/>
+              <a:t>16</a:t>
+            </a:fld>
+            <a:endParaRPr lang="en-CA"/>
+          </a:p>
+        </p:txBody>
+      </p:sp>
+    </p:spTree>
+    <p:extLst>
+      <p:ext uri="{BB962C8B-B14F-4D97-AF65-F5344CB8AC3E}">
         <p14:creationId xmlns:p14="http://schemas.microsoft.com/office/powerpoint/2010/main" val="919882033"/>
       </p:ext>
     </p:extLst>
@@ -899,7 +1409,7 @@
     </p:spTree>
     <p:extLst>
       <p:ext uri="{BB962C8B-B14F-4D97-AF65-F5344CB8AC3E}">
-        <p14:creationId xmlns:p14="http://schemas.microsoft.com/office/powerpoint/2010/main" val="52564762"/>
+        <p14:creationId xmlns:p14="http://schemas.microsoft.com/office/powerpoint/2010/main" val="44485748"/>
       </p:ext>
     </p:extLst>
   </p:cSld>
@@ -983,7 +1493,7 @@
     </p:spTree>
     <p:extLst>
       <p:ext uri="{BB962C8B-B14F-4D97-AF65-F5344CB8AC3E}">
-        <p14:creationId xmlns:p14="http://schemas.microsoft.com/office/powerpoint/2010/main" val="3394459154"/>
+        <p14:creationId xmlns:p14="http://schemas.microsoft.com/office/powerpoint/2010/main" val="52564762"/>
       </p:ext>
     </p:extLst>
   </p:cSld>
@@ -1067,7 +1577,7 @@
     </p:spTree>
     <p:extLst>
       <p:ext uri="{BB962C8B-B14F-4D97-AF65-F5344CB8AC3E}">
-        <p14:creationId xmlns:p14="http://schemas.microsoft.com/office/powerpoint/2010/main" val="2786542553"/>
+        <p14:creationId xmlns:p14="http://schemas.microsoft.com/office/powerpoint/2010/main" val="3394459154"/>
       </p:ext>
     </p:extLst>
   </p:cSld>
@@ -1151,7 +1661,7 @@
     </p:spTree>
     <p:extLst>
       <p:ext uri="{BB962C8B-B14F-4D97-AF65-F5344CB8AC3E}">
-        <p14:creationId xmlns:p14="http://schemas.microsoft.com/office/powerpoint/2010/main" val="2976605226"/>
+        <p14:creationId xmlns:p14="http://schemas.microsoft.com/office/powerpoint/2010/main" val="2786542553"/>
       </p:ext>
     </p:extLst>
   </p:cSld>
@@ -1235,7 +1745,7 @@
     </p:spTree>
     <p:extLst>
       <p:ext uri="{BB962C8B-B14F-4D97-AF65-F5344CB8AC3E}">
-        <p14:creationId xmlns:p14="http://schemas.microsoft.com/office/powerpoint/2010/main" val="3612988836"/>
+        <p14:creationId xmlns:p14="http://schemas.microsoft.com/office/powerpoint/2010/main" val="2976605226"/>
       </p:ext>
     </p:extLst>
   </p:cSld>
@@ -1289,7 +1799,7 @@
           <a:bodyPr/>
           <a:lstStyle/>
           <a:p>
-            <a:endParaRPr lang="tr-TR"/>
+            <a:endParaRPr lang="tr-TR" dirty="0"/>
           </a:p>
         </p:txBody>
       </p:sp>
@@ -1312,14 +1822,14 @@
               <a:rPr lang="en-CA" smtClean="0"/>
               <a:t>9</a:t>
             </a:fld>
-            <a:endParaRPr lang="en-CA"/>
+            <a:endParaRPr lang="en-CA" dirty="0"/>
           </a:p>
         </p:txBody>
       </p:sp>
     </p:spTree>
     <p:extLst>
       <p:ext uri="{BB962C8B-B14F-4D97-AF65-F5344CB8AC3E}">
-        <p14:creationId xmlns:p14="http://schemas.microsoft.com/office/powerpoint/2010/main" val="1078659065"/>
+        <p14:creationId xmlns:p14="http://schemas.microsoft.com/office/powerpoint/2010/main" val="29247171"/>
       </p:ext>
     </p:extLst>
   </p:cSld>
@@ -7153,7 +7663,7 @@
           <p:cNvPr id="8" name="Rectangle 7">
             <a:extLst>
               <a:ext uri="{FF2B5EF4-FFF2-40B4-BE49-F238E27FC236}">
-                <a16:creationId xmlns="" xmlns:a16="http://schemas.microsoft.com/office/drawing/2014/main" id="{3C585630-0FF8-423E-900A-1A812BE7BD7D}"/>
+                <a16:creationId xmlns:a16="http://schemas.microsoft.com/office/drawing/2014/main" xmlns="" id="{3C585630-0FF8-423E-900A-1A812BE7BD7D}"/>
               </a:ext>
             </a:extLst>
           </p:cNvPr>
@@ -7243,10 +7753,2053 @@
       </p:grpSpPr>
       <p:sp>
         <p:nvSpPr>
+          <p:cNvPr id="3" name="Title 2">
+            <a:extLst>
+              <a:ext uri="{FF2B5EF4-FFF2-40B4-BE49-F238E27FC236}">
+                <a16:creationId xmlns:a16="http://schemas.microsoft.com/office/drawing/2014/main" xmlns="" id="{EA211189-7E86-4A7E-9C06-FD71B2F449B5}"/>
+              </a:ext>
+            </a:extLst>
+          </p:cNvPr>
+          <p:cNvSpPr>
+            <a:spLocks noGrp="1"/>
+          </p:cNvSpPr>
+          <p:nvPr>
+            <p:ph type="title"/>
+          </p:nvPr>
+        </p:nvSpPr>
+        <p:spPr/>
+        <p:txBody>
+          <a:bodyPr/>
+          <a:lstStyle/>
+          <a:p>
+            <a:r>
+              <a:rPr lang="tr-TR" dirty="0" smtClean="0">
+                <a:solidFill>
+                  <a:srgbClr val="90C226"/>
+                </a:solidFill>
+              </a:rPr>
+              <a:t>RETRY</a:t>
+            </a:r>
+            <a:endParaRPr lang="en-CA" dirty="0">
+              <a:solidFill>
+                <a:srgbClr val="90C226"/>
+              </a:solidFill>
+            </a:endParaRPr>
+          </a:p>
+        </p:txBody>
+      </p:sp>
+      <p:pic>
+        <p:nvPicPr>
+          <p:cNvPr id="5" name="Resim 4"/>
+          <p:cNvPicPr>
+            <a:picLocks noChangeAspect="1"/>
+          </p:cNvPicPr>
+          <p:nvPr/>
+        </p:nvPicPr>
+        <p:blipFill>
+          <a:blip r:embed="rId3"/>
+          <a:stretch>
+            <a:fillRect/>
+          </a:stretch>
+        </p:blipFill>
+        <p:spPr>
+          <a:xfrm>
+            <a:off x="60847" y="1270000"/>
+            <a:ext cx="6264462" cy="3664465"/>
+          </a:xfrm>
+          <a:prstGeom prst="rect">
+            <a:avLst/>
+          </a:prstGeom>
+        </p:spPr>
+      </p:pic>
+      <p:sp>
+        <p:nvSpPr>
+          <p:cNvPr id="9" name="Content Placeholder 2">
+            <a:extLst>
+              <a:ext uri="{FF2B5EF4-FFF2-40B4-BE49-F238E27FC236}">
+                <a16:creationId xmlns:a16="http://schemas.microsoft.com/office/drawing/2014/main" xmlns="" id="{7019A0A9-E403-4795-9F88-DB86835D1E73}"/>
+              </a:ext>
+            </a:extLst>
+          </p:cNvPr>
+          <p:cNvSpPr txBox="1">
+            <a:spLocks/>
+          </p:cNvSpPr>
+          <p:nvPr/>
+        </p:nvSpPr>
+        <p:spPr>
+          <a:xfrm>
+            <a:off x="5708822" y="1441904"/>
+            <a:ext cx="6582032" cy="4977833"/>
+          </a:xfrm>
+          <a:prstGeom prst="rect">
+            <a:avLst/>
+          </a:prstGeom>
+        </p:spPr>
+        <p:txBody>
+          <a:bodyPr>
+            <a:noAutofit/>
+          </a:bodyPr>
+          <a:lstStyle>
+            <a:lvl1pPr marL="342900" indent="-342900" algn="l" defTabSz="457200" rtl="0" eaLnBrk="1" latinLnBrk="0" hangingPunct="1">
+              <a:spcBef>
+                <a:spcPts val="1000"/>
+              </a:spcBef>
+              <a:spcAft>
+                <a:spcPts val="0"/>
+              </a:spcAft>
+              <a:buClr>
+                <a:schemeClr val="accent1"/>
+              </a:buClr>
+              <a:buSzPct val="80000"/>
+              <a:buFont typeface="Wingdings 3" charset="2"/>
+              <a:buChar char=""/>
+              <a:defRPr sz="1800" kern="1200">
+                <a:solidFill>
+                  <a:schemeClr val="tx1">
+                    <a:lumMod val="75000"/>
+                    <a:lumOff val="25000"/>
+                  </a:schemeClr>
+                </a:solidFill>
+                <a:latin typeface="+mn-lt"/>
+                <a:ea typeface="+mn-ea"/>
+                <a:cs typeface="+mn-cs"/>
+              </a:defRPr>
+            </a:lvl1pPr>
+            <a:lvl2pPr marL="742950" indent="-285750" algn="l" defTabSz="457200" rtl="0" eaLnBrk="1" latinLnBrk="0" hangingPunct="1">
+              <a:spcBef>
+                <a:spcPts val="1000"/>
+              </a:spcBef>
+              <a:spcAft>
+                <a:spcPts val="0"/>
+              </a:spcAft>
+              <a:buClr>
+                <a:schemeClr val="accent1"/>
+              </a:buClr>
+              <a:buSzPct val="80000"/>
+              <a:buFont typeface="Wingdings 3" charset="2"/>
+              <a:buChar char=""/>
+              <a:defRPr sz="1600" kern="1200">
+                <a:solidFill>
+                  <a:schemeClr val="tx1">
+                    <a:lumMod val="75000"/>
+                    <a:lumOff val="25000"/>
+                  </a:schemeClr>
+                </a:solidFill>
+                <a:latin typeface="+mn-lt"/>
+                <a:ea typeface="+mn-ea"/>
+                <a:cs typeface="+mn-cs"/>
+              </a:defRPr>
+            </a:lvl2pPr>
+            <a:lvl3pPr marL="1143000" indent="-228600" algn="l" defTabSz="457200" rtl="0" eaLnBrk="1" latinLnBrk="0" hangingPunct="1">
+              <a:spcBef>
+                <a:spcPts val="1000"/>
+              </a:spcBef>
+              <a:spcAft>
+                <a:spcPts val="0"/>
+              </a:spcAft>
+              <a:buClr>
+                <a:schemeClr val="accent1"/>
+              </a:buClr>
+              <a:buSzPct val="80000"/>
+              <a:buFont typeface="Wingdings 3" charset="2"/>
+              <a:buChar char=""/>
+              <a:defRPr sz="1400" kern="1200">
+                <a:solidFill>
+                  <a:schemeClr val="tx1">
+                    <a:lumMod val="75000"/>
+                    <a:lumOff val="25000"/>
+                  </a:schemeClr>
+                </a:solidFill>
+                <a:latin typeface="+mn-lt"/>
+                <a:ea typeface="+mn-ea"/>
+                <a:cs typeface="+mn-cs"/>
+              </a:defRPr>
+            </a:lvl3pPr>
+            <a:lvl4pPr marL="1600200" indent="-228600" algn="l" defTabSz="457200" rtl="0" eaLnBrk="1" latinLnBrk="0" hangingPunct="1">
+              <a:spcBef>
+                <a:spcPts val="1000"/>
+              </a:spcBef>
+              <a:spcAft>
+                <a:spcPts val="0"/>
+              </a:spcAft>
+              <a:buClr>
+                <a:schemeClr val="accent1"/>
+              </a:buClr>
+              <a:buSzPct val="80000"/>
+              <a:buFont typeface="Wingdings 3" charset="2"/>
+              <a:buChar char=""/>
+              <a:defRPr sz="1200" kern="1200">
+                <a:solidFill>
+                  <a:schemeClr val="tx1">
+                    <a:lumMod val="75000"/>
+                    <a:lumOff val="25000"/>
+                  </a:schemeClr>
+                </a:solidFill>
+                <a:latin typeface="+mn-lt"/>
+                <a:ea typeface="+mn-ea"/>
+                <a:cs typeface="+mn-cs"/>
+              </a:defRPr>
+            </a:lvl4pPr>
+            <a:lvl5pPr marL="2057400" indent="-228600" algn="l" defTabSz="457200" rtl="0" eaLnBrk="1" latinLnBrk="0" hangingPunct="1">
+              <a:spcBef>
+                <a:spcPts val="1000"/>
+              </a:spcBef>
+              <a:spcAft>
+                <a:spcPts val="0"/>
+              </a:spcAft>
+              <a:buClr>
+                <a:schemeClr val="accent1"/>
+              </a:buClr>
+              <a:buSzPct val="80000"/>
+              <a:buFont typeface="Wingdings 3" charset="2"/>
+              <a:buChar char=""/>
+              <a:defRPr sz="1200" kern="1200">
+                <a:solidFill>
+                  <a:schemeClr val="tx1">
+                    <a:lumMod val="75000"/>
+                    <a:lumOff val="25000"/>
+                  </a:schemeClr>
+                </a:solidFill>
+                <a:latin typeface="+mn-lt"/>
+                <a:ea typeface="+mn-ea"/>
+                <a:cs typeface="+mn-cs"/>
+              </a:defRPr>
+            </a:lvl5pPr>
+            <a:lvl6pPr marL="2514600" indent="-228600" algn="l" defTabSz="457200" rtl="0" eaLnBrk="1" latinLnBrk="0" hangingPunct="1">
+              <a:spcBef>
+                <a:spcPts val="1000"/>
+              </a:spcBef>
+              <a:spcAft>
+                <a:spcPts val="0"/>
+              </a:spcAft>
+              <a:buClr>
+                <a:schemeClr val="accent1"/>
+              </a:buClr>
+              <a:buSzPct val="80000"/>
+              <a:buFont typeface="Wingdings 3" charset="2"/>
+              <a:buChar char=""/>
+              <a:defRPr sz="1200" kern="1200">
+                <a:solidFill>
+                  <a:schemeClr val="tx1">
+                    <a:lumMod val="75000"/>
+                    <a:lumOff val="25000"/>
+                  </a:schemeClr>
+                </a:solidFill>
+                <a:latin typeface="+mn-lt"/>
+                <a:ea typeface="+mn-ea"/>
+                <a:cs typeface="+mn-cs"/>
+              </a:defRPr>
+            </a:lvl6pPr>
+            <a:lvl7pPr marL="2971800" indent="-228600" algn="l" defTabSz="457200" rtl="0" eaLnBrk="1" latinLnBrk="0" hangingPunct="1">
+              <a:spcBef>
+                <a:spcPts val="1000"/>
+              </a:spcBef>
+              <a:spcAft>
+                <a:spcPts val="0"/>
+              </a:spcAft>
+              <a:buClr>
+                <a:schemeClr val="accent1"/>
+              </a:buClr>
+              <a:buSzPct val="80000"/>
+              <a:buFont typeface="Wingdings 3" charset="2"/>
+              <a:buChar char=""/>
+              <a:defRPr sz="1200" kern="1200">
+                <a:solidFill>
+                  <a:schemeClr val="tx1">
+                    <a:lumMod val="75000"/>
+                    <a:lumOff val="25000"/>
+                  </a:schemeClr>
+                </a:solidFill>
+                <a:latin typeface="+mn-lt"/>
+                <a:ea typeface="+mn-ea"/>
+                <a:cs typeface="+mn-cs"/>
+              </a:defRPr>
+            </a:lvl7pPr>
+            <a:lvl8pPr marL="3429000" indent="-228600" algn="l" defTabSz="457200" rtl="0" eaLnBrk="1" latinLnBrk="0" hangingPunct="1">
+              <a:spcBef>
+                <a:spcPts val="1000"/>
+              </a:spcBef>
+              <a:spcAft>
+                <a:spcPts val="0"/>
+              </a:spcAft>
+              <a:buClr>
+                <a:schemeClr val="accent1"/>
+              </a:buClr>
+              <a:buSzPct val="80000"/>
+              <a:buFont typeface="Wingdings 3" charset="2"/>
+              <a:buChar char=""/>
+              <a:defRPr sz="1200" kern="1200">
+                <a:solidFill>
+                  <a:schemeClr val="tx1">
+                    <a:lumMod val="75000"/>
+                    <a:lumOff val="25000"/>
+                  </a:schemeClr>
+                </a:solidFill>
+                <a:latin typeface="+mn-lt"/>
+                <a:ea typeface="+mn-ea"/>
+                <a:cs typeface="+mn-cs"/>
+              </a:defRPr>
+            </a:lvl8pPr>
+            <a:lvl9pPr marL="3886200" indent="-228600" algn="l" defTabSz="457200" rtl="0" eaLnBrk="1" latinLnBrk="0" hangingPunct="1">
+              <a:spcBef>
+                <a:spcPts val="1000"/>
+              </a:spcBef>
+              <a:spcAft>
+                <a:spcPts val="0"/>
+              </a:spcAft>
+              <a:buClr>
+                <a:schemeClr val="accent1"/>
+              </a:buClr>
+              <a:buSzPct val="80000"/>
+              <a:buFont typeface="Wingdings 3" charset="2"/>
+              <a:buChar char=""/>
+              <a:defRPr sz="1200" kern="1200">
+                <a:solidFill>
+                  <a:schemeClr val="tx1">
+                    <a:lumMod val="75000"/>
+                    <a:lumOff val="25000"/>
+                  </a:schemeClr>
+                </a:solidFill>
+                <a:latin typeface="+mn-lt"/>
+                <a:ea typeface="+mn-ea"/>
+                <a:cs typeface="+mn-cs"/>
+              </a:defRPr>
+            </a:lvl9pPr>
+          </a:lstStyle>
+          <a:p>
+            <a:pPr lvl="1"/>
+            <a:r>
+              <a:rPr lang="en-US" sz="1400" dirty="0" smtClean="0">
+                <a:latin typeface="medium-content-serif-font"/>
+              </a:rPr>
+              <a:t>Messages </a:t>
+            </a:r>
+            <a:r>
+              <a:rPr lang="en-US" sz="1400" dirty="0">
+                <a:latin typeface="medium-content-serif-font"/>
+              </a:rPr>
+              <a:t>can be consumed from topic partitions in sequential order </a:t>
+            </a:r>
+            <a:r>
+              <a:rPr lang="en-US" sz="1400" dirty="0" smtClean="0">
+                <a:latin typeface="medium-content-serif-font"/>
+              </a:rPr>
+              <a:t>only</a:t>
+            </a:r>
+            <a:endParaRPr lang="tr-TR" sz="1400" dirty="0" smtClean="0">
+              <a:latin typeface="medium-content-serif-font"/>
+            </a:endParaRPr>
+          </a:p>
+          <a:p>
+            <a:pPr lvl="1"/>
+            <a:r>
+              <a:rPr lang="en-US" sz="1400" dirty="0" smtClean="0">
+                <a:latin typeface="medium-content-serif-font"/>
+              </a:rPr>
+              <a:t>You </a:t>
+            </a:r>
+            <a:r>
+              <a:rPr lang="en-US" sz="1400" b="1" dirty="0">
+                <a:latin typeface="medium-content-serif-font"/>
+              </a:rPr>
+              <a:t>cannot skip </a:t>
+            </a:r>
+            <a:r>
+              <a:rPr lang="en-US" sz="1400" dirty="0">
+                <a:latin typeface="medium-content-serif-font"/>
+              </a:rPr>
+              <a:t>messages and come back to them </a:t>
+            </a:r>
+            <a:r>
+              <a:rPr lang="en-US" sz="1400" dirty="0" smtClean="0">
+                <a:latin typeface="medium-content-serif-font"/>
+              </a:rPr>
+              <a:t>later</a:t>
+            </a:r>
+            <a:endParaRPr lang="tr-TR" sz="1400" dirty="0" smtClean="0">
+              <a:latin typeface="medium-content-serif-font"/>
+            </a:endParaRPr>
+          </a:p>
+          <a:p>
+            <a:pPr lvl="1"/>
+            <a:r>
+              <a:rPr lang="en-US" sz="1400" dirty="0" smtClean="0">
+                <a:latin typeface="medium-content-serif-font"/>
+              </a:rPr>
+              <a:t>If </a:t>
+            </a:r>
+            <a:r>
+              <a:rPr lang="en-US" sz="1400" dirty="0">
+                <a:latin typeface="medium-content-serif-font"/>
+              </a:rPr>
+              <a:t>you want to postpone processing of some messages you can republish them to </a:t>
+            </a:r>
+            <a:r>
+              <a:rPr lang="en-US" sz="1400" b="1" dirty="0">
+                <a:latin typeface="medium-content-serif-font"/>
+              </a:rPr>
+              <a:t>separate topics</a:t>
+            </a:r>
+            <a:r>
+              <a:rPr lang="en-US" sz="1400" dirty="0">
+                <a:latin typeface="medium-content-serif-font"/>
+              </a:rPr>
+              <a:t>, one for each delay </a:t>
+            </a:r>
+            <a:r>
+              <a:rPr lang="en-US" sz="1400" dirty="0" smtClean="0">
+                <a:latin typeface="medium-content-serif-font"/>
+              </a:rPr>
+              <a:t>value</a:t>
+            </a:r>
+            <a:endParaRPr lang="tr-TR" sz="1400" dirty="0" smtClean="0">
+              <a:latin typeface="medium-content-serif-font"/>
+            </a:endParaRPr>
+          </a:p>
+          <a:p>
+            <a:pPr lvl="1"/>
+            <a:r>
+              <a:rPr lang="en-US" sz="1400" dirty="0" smtClean="0">
+                <a:latin typeface="medium-content-serif-font"/>
+              </a:rPr>
+              <a:t>Processing </a:t>
+            </a:r>
+            <a:r>
+              <a:rPr lang="en-US" sz="1400" dirty="0">
+                <a:latin typeface="medium-content-serif-font"/>
+              </a:rPr>
+              <a:t>failed messages can be achieved by cloning the message and republishing it to one of </a:t>
+            </a:r>
+            <a:r>
+              <a:rPr lang="en-US" sz="1400" b="1" dirty="0">
+                <a:latin typeface="medium-content-serif-font"/>
+              </a:rPr>
+              <a:t>retry topics </a:t>
+            </a:r>
+            <a:r>
+              <a:rPr lang="en-US" sz="1400" dirty="0">
+                <a:latin typeface="medium-content-serif-font"/>
+              </a:rPr>
+              <a:t>with updated information about attempt number and next retry </a:t>
+            </a:r>
+            <a:r>
+              <a:rPr lang="en-US" sz="1400" dirty="0" smtClean="0">
+                <a:latin typeface="medium-content-serif-font"/>
+              </a:rPr>
+              <a:t>timestamp</a:t>
+            </a:r>
+            <a:endParaRPr lang="tr-TR" sz="1400" dirty="0" smtClean="0">
+              <a:latin typeface="medium-content-serif-font"/>
+            </a:endParaRPr>
+          </a:p>
+          <a:p>
+            <a:pPr lvl="1"/>
+            <a:r>
+              <a:rPr lang="en-US" sz="1400" b="1" dirty="0" smtClean="0">
+                <a:latin typeface="medium-content-serif-font"/>
+              </a:rPr>
+              <a:t>Consumers </a:t>
+            </a:r>
+            <a:r>
+              <a:rPr lang="en-US" sz="1400" b="1" dirty="0">
+                <a:latin typeface="medium-content-serif-font"/>
+              </a:rPr>
+              <a:t>of retry topics </a:t>
+            </a:r>
+            <a:r>
+              <a:rPr lang="en-US" sz="1400" dirty="0">
+                <a:latin typeface="medium-content-serif-font"/>
+              </a:rPr>
+              <a:t>should block the thread unless it is time to process the </a:t>
+            </a:r>
+            <a:r>
+              <a:rPr lang="en-US" sz="1400" dirty="0" smtClean="0">
+                <a:latin typeface="medium-content-serif-font"/>
+              </a:rPr>
+              <a:t>message</a:t>
+            </a:r>
+            <a:endParaRPr lang="tr-TR" sz="1400" dirty="0" smtClean="0">
+              <a:latin typeface="medium-content-serif-font"/>
+            </a:endParaRPr>
+          </a:p>
+          <a:p>
+            <a:pPr lvl="1"/>
+            <a:r>
+              <a:rPr lang="en-US" sz="1400" dirty="0" smtClean="0">
+                <a:latin typeface="medium-content-serif-font"/>
+              </a:rPr>
+              <a:t>Messages </a:t>
+            </a:r>
+            <a:r>
+              <a:rPr lang="en-US" sz="1400" dirty="0">
+                <a:latin typeface="medium-content-serif-font"/>
+              </a:rPr>
+              <a:t>in retry topics are naturally organized in the chronological order, sorted by the ‘</a:t>
+            </a:r>
+            <a:r>
+              <a:rPr lang="en-US" sz="1400" dirty="0" err="1">
+                <a:latin typeface="medium-content-serif-font"/>
+              </a:rPr>
+              <a:t>retry_timestamp</a:t>
+            </a:r>
+            <a:r>
+              <a:rPr lang="en-US" sz="1400" dirty="0">
+                <a:latin typeface="medium-content-serif-font"/>
+              </a:rPr>
+              <a:t>’ </a:t>
+            </a:r>
+            <a:r>
+              <a:rPr lang="en-US" sz="1400" dirty="0" smtClean="0">
+                <a:latin typeface="medium-content-serif-font"/>
+              </a:rPr>
+              <a:t>field</a:t>
+            </a:r>
+            <a:endParaRPr lang="tr-TR" sz="1400" dirty="0" smtClean="0">
+              <a:latin typeface="medium-content-serif-font"/>
+            </a:endParaRPr>
+          </a:p>
+          <a:p>
+            <a:pPr lvl="1"/>
+            <a:r>
+              <a:rPr lang="en-US" sz="1400" dirty="0" smtClean="0"/>
+              <a:t>https</a:t>
+            </a:r>
+            <a:r>
+              <a:rPr lang="en-US" sz="1400" dirty="0"/>
+              <a:t>://</a:t>
+            </a:r>
+            <a:r>
+              <a:rPr lang="en-US" sz="1400" dirty="0" smtClean="0"/>
+              <a:t>blog.pragmatists.com/retrying-consumer-architecture-in-the-apache-kafka-939ac4cb851a</a:t>
+            </a:r>
+            <a:endParaRPr lang="en-US" sz="1200" dirty="0"/>
+          </a:p>
+        </p:txBody>
+      </p:sp>
+    </p:spTree>
+    <p:extLst>
+      <p:ext uri="{BB962C8B-B14F-4D97-AF65-F5344CB8AC3E}">
+        <p14:creationId xmlns:p14="http://schemas.microsoft.com/office/powerpoint/2010/main" val="651805561"/>
+      </p:ext>
+    </p:extLst>
+  </p:cSld>
+  <p:clrMapOvr>
+    <a:masterClrMapping/>
+  </p:clrMapOvr>
+  <mc:AlternateContent xmlns:mc="http://schemas.openxmlformats.org/markup-compatibility/2006" xmlns:p14="http://schemas.microsoft.com/office/powerpoint/2010/main">
+    <mc:Choice Requires="p14">
+      <p:transition spd="med" p14:dur="700">
+        <p:fade/>
+      </p:transition>
+    </mc:Choice>
+    <mc:Fallback xmlns="">
+      <p:transition spd="med">
+        <p:fade/>
+      </p:transition>
+    </mc:Fallback>
+  </mc:AlternateContent>
+  <p:timing>
+    <p:tnLst>
+      <p:par>
+        <p:cTn id="1" dur="indefinite" restart="never" nodeType="tmRoot"/>
+      </p:par>
+    </p:tnLst>
+  </p:timing>
+</p:sld>
+</file>
+
+<file path=ppt/slides/slide11.xml><?xml version="1.0" encoding="utf-8"?>
+<p:sld xmlns:a="http://schemas.openxmlformats.org/drawingml/2006/main" xmlns:r="http://schemas.openxmlformats.org/officeDocument/2006/relationships" xmlns:p="http://schemas.openxmlformats.org/presentationml/2006/main">
+  <p:cSld>
+    <p:spTree>
+      <p:nvGrpSpPr>
+        <p:cNvPr id="1" name=""/>
+        <p:cNvGrpSpPr/>
+        <p:nvPr/>
+      </p:nvGrpSpPr>
+      <p:grpSpPr>
+        <a:xfrm>
+          <a:off x="0" y="0"/>
+          <a:ext cx="0" cy="0"/>
+          <a:chOff x="0" y="0"/>
+          <a:chExt cx="0" cy="0"/>
+        </a:xfrm>
+      </p:grpSpPr>
+      <p:sp>
+        <p:nvSpPr>
+          <p:cNvPr id="3" name="Title 2">
+            <a:extLst>
+              <a:ext uri="{FF2B5EF4-FFF2-40B4-BE49-F238E27FC236}">
+                <a16:creationId xmlns:a16="http://schemas.microsoft.com/office/drawing/2014/main" xmlns="" id="{EA211189-7E86-4A7E-9C06-FD71B2F449B5}"/>
+              </a:ext>
+            </a:extLst>
+          </p:cNvPr>
+          <p:cNvSpPr>
+            <a:spLocks noGrp="1"/>
+          </p:cNvSpPr>
+          <p:nvPr>
+            <p:ph type="title"/>
+          </p:nvPr>
+        </p:nvSpPr>
+        <p:spPr/>
+        <p:txBody>
+          <a:bodyPr/>
+          <a:lstStyle/>
+          <a:p>
+            <a:r>
+              <a:rPr lang="tr-TR" dirty="0" smtClean="0">
+                <a:solidFill>
+                  <a:srgbClr val="90C226"/>
+                </a:solidFill>
+              </a:rPr>
+              <a:t>ZOOKEPER</a:t>
+            </a:r>
+            <a:endParaRPr lang="en-CA" dirty="0">
+              <a:solidFill>
+                <a:srgbClr val="90C226"/>
+              </a:solidFill>
+            </a:endParaRPr>
+          </a:p>
+        </p:txBody>
+      </p:sp>
+      <p:sp>
+        <p:nvSpPr>
+          <p:cNvPr id="15" name="Content Placeholder 2">
+            <a:extLst>
+              <a:ext uri="{FF2B5EF4-FFF2-40B4-BE49-F238E27FC236}">
+                <a16:creationId xmlns:a16="http://schemas.microsoft.com/office/drawing/2014/main" xmlns="" id="{7019A0A9-E403-4795-9F88-DB86835D1E73}"/>
+              </a:ext>
+            </a:extLst>
+          </p:cNvPr>
+          <p:cNvSpPr txBox="1">
+            <a:spLocks/>
+          </p:cNvSpPr>
+          <p:nvPr/>
+        </p:nvSpPr>
+        <p:spPr>
+          <a:xfrm>
+            <a:off x="-368873" y="1768955"/>
+            <a:ext cx="8097387" cy="4977833"/>
+          </a:xfrm>
+          <a:prstGeom prst="rect">
+            <a:avLst/>
+          </a:prstGeom>
+        </p:spPr>
+        <p:txBody>
+          <a:bodyPr>
+            <a:noAutofit/>
+          </a:bodyPr>
+          <a:lstStyle>
+            <a:lvl1pPr marL="342900" indent="-342900" algn="l" defTabSz="457200" rtl="0" eaLnBrk="1" latinLnBrk="0" hangingPunct="1">
+              <a:spcBef>
+                <a:spcPts val="1000"/>
+              </a:spcBef>
+              <a:spcAft>
+                <a:spcPts val="0"/>
+              </a:spcAft>
+              <a:buClr>
+                <a:schemeClr val="accent1"/>
+              </a:buClr>
+              <a:buSzPct val="80000"/>
+              <a:buFont typeface="Wingdings 3" charset="2"/>
+              <a:buChar char=""/>
+              <a:defRPr sz="1800" kern="1200">
+                <a:solidFill>
+                  <a:schemeClr val="tx1">
+                    <a:lumMod val="75000"/>
+                    <a:lumOff val="25000"/>
+                  </a:schemeClr>
+                </a:solidFill>
+                <a:latin typeface="+mn-lt"/>
+                <a:ea typeface="+mn-ea"/>
+                <a:cs typeface="+mn-cs"/>
+              </a:defRPr>
+            </a:lvl1pPr>
+            <a:lvl2pPr marL="742950" indent="-285750" algn="l" defTabSz="457200" rtl="0" eaLnBrk="1" latinLnBrk="0" hangingPunct="1">
+              <a:spcBef>
+                <a:spcPts val="1000"/>
+              </a:spcBef>
+              <a:spcAft>
+                <a:spcPts val="0"/>
+              </a:spcAft>
+              <a:buClr>
+                <a:schemeClr val="accent1"/>
+              </a:buClr>
+              <a:buSzPct val="80000"/>
+              <a:buFont typeface="Wingdings 3" charset="2"/>
+              <a:buChar char=""/>
+              <a:defRPr sz="1600" kern="1200">
+                <a:solidFill>
+                  <a:schemeClr val="tx1">
+                    <a:lumMod val="75000"/>
+                    <a:lumOff val="25000"/>
+                  </a:schemeClr>
+                </a:solidFill>
+                <a:latin typeface="+mn-lt"/>
+                <a:ea typeface="+mn-ea"/>
+                <a:cs typeface="+mn-cs"/>
+              </a:defRPr>
+            </a:lvl2pPr>
+            <a:lvl3pPr marL="1143000" indent="-228600" algn="l" defTabSz="457200" rtl="0" eaLnBrk="1" latinLnBrk="0" hangingPunct="1">
+              <a:spcBef>
+                <a:spcPts val="1000"/>
+              </a:spcBef>
+              <a:spcAft>
+                <a:spcPts val="0"/>
+              </a:spcAft>
+              <a:buClr>
+                <a:schemeClr val="accent1"/>
+              </a:buClr>
+              <a:buSzPct val="80000"/>
+              <a:buFont typeface="Wingdings 3" charset="2"/>
+              <a:buChar char=""/>
+              <a:defRPr sz="1400" kern="1200">
+                <a:solidFill>
+                  <a:schemeClr val="tx1">
+                    <a:lumMod val="75000"/>
+                    <a:lumOff val="25000"/>
+                  </a:schemeClr>
+                </a:solidFill>
+                <a:latin typeface="+mn-lt"/>
+                <a:ea typeface="+mn-ea"/>
+                <a:cs typeface="+mn-cs"/>
+              </a:defRPr>
+            </a:lvl3pPr>
+            <a:lvl4pPr marL="1600200" indent="-228600" algn="l" defTabSz="457200" rtl="0" eaLnBrk="1" latinLnBrk="0" hangingPunct="1">
+              <a:spcBef>
+                <a:spcPts val="1000"/>
+              </a:spcBef>
+              <a:spcAft>
+                <a:spcPts val="0"/>
+              </a:spcAft>
+              <a:buClr>
+                <a:schemeClr val="accent1"/>
+              </a:buClr>
+              <a:buSzPct val="80000"/>
+              <a:buFont typeface="Wingdings 3" charset="2"/>
+              <a:buChar char=""/>
+              <a:defRPr sz="1200" kern="1200">
+                <a:solidFill>
+                  <a:schemeClr val="tx1">
+                    <a:lumMod val="75000"/>
+                    <a:lumOff val="25000"/>
+                  </a:schemeClr>
+                </a:solidFill>
+                <a:latin typeface="+mn-lt"/>
+                <a:ea typeface="+mn-ea"/>
+                <a:cs typeface="+mn-cs"/>
+              </a:defRPr>
+            </a:lvl4pPr>
+            <a:lvl5pPr marL="2057400" indent="-228600" algn="l" defTabSz="457200" rtl="0" eaLnBrk="1" latinLnBrk="0" hangingPunct="1">
+              <a:spcBef>
+                <a:spcPts val="1000"/>
+              </a:spcBef>
+              <a:spcAft>
+                <a:spcPts val="0"/>
+              </a:spcAft>
+              <a:buClr>
+                <a:schemeClr val="accent1"/>
+              </a:buClr>
+              <a:buSzPct val="80000"/>
+              <a:buFont typeface="Wingdings 3" charset="2"/>
+              <a:buChar char=""/>
+              <a:defRPr sz="1200" kern="1200">
+                <a:solidFill>
+                  <a:schemeClr val="tx1">
+                    <a:lumMod val="75000"/>
+                    <a:lumOff val="25000"/>
+                  </a:schemeClr>
+                </a:solidFill>
+                <a:latin typeface="+mn-lt"/>
+                <a:ea typeface="+mn-ea"/>
+                <a:cs typeface="+mn-cs"/>
+              </a:defRPr>
+            </a:lvl5pPr>
+            <a:lvl6pPr marL="2514600" indent="-228600" algn="l" defTabSz="457200" rtl="0" eaLnBrk="1" latinLnBrk="0" hangingPunct="1">
+              <a:spcBef>
+                <a:spcPts val="1000"/>
+              </a:spcBef>
+              <a:spcAft>
+                <a:spcPts val="0"/>
+              </a:spcAft>
+              <a:buClr>
+                <a:schemeClr val="accent1"/>
+              </a:buClr>
+              <a:buSzPct val="80000"/>
+              <a:buFont typeface="Wingdings 3" charset="2"/>
+              <a:buChar char=""/>
+              <a:defRPr sz="1200" kern="1200">
+                <a:solidFill>
+                  <a:schemeClr val="tx1">
+                    <a:lumMod val="75000"/>
+                    <a:lumOff val="25000"/>
+                  </a:schemeClr>
+                </a:solidFill>
+                <a:latin typeface="+mn-lt"/>
+                <a:ea typeface="+mn-ea"/>
+                <a:cs typeface="+mn-cs"/>
+              </a:defRPr>
+            </a:lvl6pPr>
+            <a:lvl7pPr marL="2971800" indent="-228600" algn="l" defTabSz="457200" rtl="0" eaLnBrk="1" latinLnBrk="0" hangingPunct="1">
+              <a:spcBef>
+                <a:spcPts val="1000"/>
+              </a:spcBef>
+              <a:spcAft>
+                <a:spcPts val="0"/>
+              </a:spcAft>
+              <a:buClr>
+                <a:schemeClr val="accent1"/>
+              </a:buClr>
+              <a:buSzPct val="80000"/>
+              <a:buFont typeface="Wingdings 3" charset="2"/>
+              <a:buChar char=""/>
+              <a:defRPr sz="1200" kern="1200">
+                <a:solidFill>
+                  <a:schemeClr val="tx1">
+                    <a:lumMod val="75000"/>
+                    <a:lumOff val="25000"/>
+                  </a:schemeClr>
+                </a:solidFill>
+                <a:latin typeface="+mn-lt"/>
+                <a:ea typeface="+mn-ea"/>
+                <a:cs typeface="+mn-cs"/>
+              </a:defRPr>
+            </a:lvl7pPr>
+            <a:lvl8pPr marL="3429000" indent="-228600" algn="l" defTabSz="457200" rtl="0" eaLnBrk="1" latinLnBrk="0" hangingPunct="1">
+              <a:spcBef>
+                <a:spcPts val="1000"/>
+              </a:spcBef>
+              <a:spcAft>
+                <a:spcPts val="0"/>
+              </a:spcAft>
+              <a:buClr>
+                <a:schemeClr val="accent1"/>
+              </a:buClr>
+              <a:buSzPct val="80000"/>
+              <a:buFont typeface="Wingdings 3" charset="2"/>
+              <a:buChar char=""/>
+              <a:defRPr sz="1200" kern="1200">
+                <a:solidFill>
+                  <a:schemeClr val="tx1">
+                    <a:lumMod val="75000"/>
+                    <a:lumOff val="25000"/>
+                  </a:schemeClr>
+                </a:solidFill>
+                <a:latin typeface="+mn-lt"/>
+                <a:ea typeface="+mn-ea"/>
+                <a:cs typeface="+mn-cs"/>
+              </a:defRPr>
+            </a:lvl8pPr>
+            <a:lvl9pPr marL="3886200" indent="-228600" algn="l" defTabSz="457200" rtl="0" eaLnBrk="1" latinLnBrk="0" hangingPunct="1">
+              <a:spcBef>
+                <a:spcPts val="1000"/>
+              </a:spcBef>
+              <a:spcAft>
+                <a:spcPts val="0"/>
+              </a:spcAft>
+              <a:buClr>
+                <a:schemeClr val="accent1"/>
+              </a:buClr>
+              <a:buSzPct val="80000"/>
+              <a:buFont typeface="Wingdings 3" charset="2"/>
+              <a:buChar char=""/>
+              <a:defRPr sz="1200" kern="1200">
+                <a:solidFill>
+                  <a:schemeClr val="tx1">
+                    <a:lumMod val="75000"/>
+                    <a:lumOff val="25000"/>
+                  </a:schemeClr>
+                </a:solidFill>
+                <a:latin typeface="+mn-lt"/>
+                <a:ea typeface="+mn-ea"/>
+                <a:cs typeface="+mn-cs"/>
+              </a:defRPr>
+            </a:lvl9pPr>
+          </a:lstStyle>
+          <a:p>
+            <a:pPr lvl="1"/>
+            <a:r>
+              <a:rPr lang="en-US" sz="1400" dirty="0"/>
+              <a:t>Kafka needs </a:t>
+            </a:r>
+            <a:r>
+              <a:rPr lang="en-US" sz="1400" dirty="0" err="1"/>
+              <a:t>ZooKeeper</a:t>
+            </a:r>
+            <a:endParaRPr lang="en-US" sz="1400" dirty="0"/>
+          </a:p>
+          <a:p>
+            <a:pPr lvl="1"/>
+            <a:r>
+              <a:rPr lang="en-US" sz="1400" dirty="0" smtClean="0"/>
+              <a:t>Kafka </a:t>
+            </a:r>
+            <a:r>
+              <a:rPr lang="en-US" sz="1400" dirty="0"/>
+              <a:t>uses Zookeeper to do </a:t>
+            </a:r>
+            <a:r>
+              <a:rPr lang="en-US" sz="1400" b="1" dirty="0"/>
+              <a:t>leadership election </a:t>
+            </a:r>
+            <a:r>
+              <a:rPr lang="en-US" sz="1400" dirty="0"/>
+              <a:t>of </a:t>
+            </a:r>
+            <a:r>
+              <a:rPr lang="en-US" sz="1400" dirty="0" smtClean="0"/>
+              <a:t>Broker</a:t>
+            </a:r>
+            <a:r>
+              <a:rPr lang="tr-TR" sz="1400" dirty="0" smtClean="0"/>
+              <a:t>s</a:t>
+            </a:r>
+            <a:r>
+              <a:rPr lang="en-US" sz="1400" dirty="0" smtClean="0"/>
+              <a:t> </a:t>
+            </a:r>
+            <a:r>
+              <a:rPr lang="en-US" sz="1400" dirty="0"/>
+              <a:t>and Topic Partition pairs. </a:t>
+            </a:r>
+          </a:p>
+          <a:p>
+            <a:pPr lvl="1"/>
+            <a:r>
+              <a:rPr lang="en-US" sz="1400" dirty="0" smtClean="0"/>
+              <a:t>Zookeeper </a:t>
+            </a:r>
+            <a:r>
+              <a:rPr lang="en-US" sz="1400" dirty="0"/>
+              <a:t>sends changes of the topology to Kafka, so each node in the cluster knows; </a:t>
+            </a:r>
+          </a:p>
+          <a:p>
+            <a:pPr lvl="2"/>
+            <a:r>
+              <a:rPr lang="en-US" sz="1200" dirty="0" smtClean="0"/>
+              <a:t>when </a:t>
+            </a:r>
+            <a:r>
+              <a:rPr lang="en-US" sz="1200" dirty="0"/>
+              <a:t>a new broker joined, a broker died, a topic was removed or a topic was </a:t>
+            </a:r>
+            <a:r>
+              <a:rPr lang="en-US" sz="1200" dirty="0" smtClean="0"/>
+              <a:t>added</a:t>
+            </a:r>
+            <a:endParaRPr lang="en-US" sz="1200" dirty="0"/>
+          </a:p>
+        </p:txBody>
+      </p:sp>
+      <p:pic>
+        <p:nvPicPr>
+          <p:cNvPr id="4" name="Resim 3"/>
+          <p:cNvPicPr>
+            <a:picLocks noChangeAspect="1"/>
+          </p:cNvPicPr>
+          <p:nvPr/>
+        </p:nvPicPr>
+        <p:blipFill>
+          <a:blip r:embed="rId3">
+            <a:extLst>
+              <a:ext uri="{28A0092B-C50C-407E-A947-70E740481C1C}">
+                <a14:useLocalDpi xmlns:a14="http://schemas.microsoft.com/office/drawing/2010/main" val="0"/>
+              </a:ext>
+            </a:extLst>
+          </a:blip>
+          <a:stretch>
+            <a:fillRect/>
+          </a:stretch>
+        </p:blipFill>
+        <p:spPr>
+          <a:xfrm>
+            <a:off x="2891481" y="3302950"/>
+            <a:ext cx="5945854" cy="3323685"/>
+          </a:xfrm>
+          <a:prstGeom prst="rect">
+            <a:avLst/>
+          </a:prstGeom>
+        </p:spPr>
+      </p:pic>
+    </p:spTree>
+    <p:extLst>
+      <p:ext uri="{BB962C8B-B14F-4D97-AF65-F5344CB8AC3E}">
+        <p14:creationId xmlns:p14="http://schemas.microsoft.com/office/powerpoint/2010/main" val="936456375"/>
+      </p:ext>
+    </p:extLst>
+  </p:cSld>
+  <p:clrMapOvr>
+    <a:masterClrMapping/>
+  </p:clrMapOvr>
+  <mc:AlternateContent xmlns:mc="http://schemas.openxmlformats.org/markup-compatibility/2006" xmlns:p14="http://schemas.microsoft.com/office/powerpoint/2010/main">
+    <mc:Choice Requires="p14">
+      <p:transition spd="med" p14:dur="700">
+        <p:fade/>
+      </p:transition>
+    </mc:Choice>
+    <mc:Fallback xmlns="">
+      <p:transition spd="med">
+        <p:fade/>
+      </p:transition>
+    </mc:Fallback>
+  </mc:AlternateContent>
+  <p:timing>
+    <p:tnLst>
+      <p:par>
+        <p:cTn id="1" dur="indefinite" restart="never" nodeType="tmRoot"/>
+      </p:par>
+    </p:tnLst>
+  </p:timing>
+</p:sld>
+</file>
+
+<file path=ppt/slides/slide12.xml><?xml version="1.0" encoding="utf-8"?>
+<p:sld xmlns:a="http://schemas.openxmlformats.org/drawingml/2006/main" xmlns:r="http://schemas.openxmlformats.org/officeDocument/2006/relationships" xmlns:p="http://schemas.openxmlformats.org/presentationml/2006/main">
+  <p:cSld>
+    <p:spTree>
+      <p:nvGrpSpPr>
+        <p:cNvPr id="1" name=""/>
+        <p:cNvGrpSpPr/>
+        <p:nvPr/>
+      </p:nvGrpSpPr>
+      <p:grpSpPr>
+        <a:xfrm>
+          <a:off x="0" y="0"/>
+          <a:ext cx="0" cy="0"/>
+          <a:chOff x="0" y="0"/>
+          <a:chExt cx="0" cy="0"/>
+        </a:xfrm>
+      </p:grpSpPr>
+      <p:sp>
+        <p:nvSpPr>
+          <p:cNvPr id="3" name="Title 2">
+            <a:extLst>
+              <a:ext uri="{FF2B5EF4-FFF2-40B4-BE49-F238E27FC236}">
+                <a16:creationId xmlns:a16="http://schemas.microsoft.com/office/drawing/2014/main" xmlns="" id="{EA211189-7E86-4A7E-9C06-FD71B2F449B5}"/>
+              </a:ext>
+            </a:extLst>
+          </p:cNvPr>
+          <p:cNvSpPr>
+            <a:spLocks noGrp="1"/>
+          </p:cNvSpPr>
+          <p:nvPr>
+            <p:ph type="title"/>
+          </p:nvPr>
+        </p:nvSpPr>
+        <p:spPr/>
+        <p:txBody>
+          <a:bodyPr/>
+          <a:lstStyle/>
+          <a:p>
+            <a:r>
+              <a:rPr lang="tr-TR" dirty="0" smtClean="0">
+                <a:solidFill>
+                  <a:srgbClr val="90C226"/>
+                </a:solidFill>
+              </a:rPr>
+              <a:t>CONNECTORS</a:t>
+            </a:r>
+            <a:endParaRPr lang="en-CA" dirty="0">
+              <a:solidFill>
+                <a:srgbClr val="90C226"/>
+              </a:solidFill>
+            </a:endParaRPr>
+          </a:p>
+        </p:txBody>
+      </p:sp>
+      <p:pic>
+        <p:nvPicPr>
+          <p:cNvPr id="2" name="Resim 1"/>
+          <p:cNvPicPr>
+            <a:picLocks noChangeAspect="1"/>
+          </p:cNvPicPr>
+          <p:nvPr/>
+        </p:nvPicPr>
+        <p:blipFill>
+          <a:blip r:embed="rId3"/>
+          <a:stretch>
+            <a:fillRect/>
+          </a:stretch>
+        </p:blipFill>
+        <p:spPr>
+          <a:xfrm>
+            <a:off x="518983" y="1179384"/>
+            <a:ext cx="7175158" cy="5456176"/>
+          </a:xfrm>
+          <a:prstGeom prst="rect">
+            <a:avLst/>
+          </a:prstGeom>
+        </p:spPr>
+      </p:pic>
+    </p:spTree>
+    <p:extLst>
+      <p:ext uri="{BB962C8B-B14F-4D97-AF65-F5344CB8AC3E}">
+        <p14:creationId xmlns:p14="http://schemas.microsoft.com/office/powerpoint/2010/main" val="2327321203"/>
+      </p:ext>
+    </p:extLst>
+  </p:cSld>
+  <p:clrMapOvr>
+    <a:masterClrMapping/>
+  </p:clrMapOvr>
+  <mc:AlternateContent xmlns:mc="http://schemas.openxmlformats.org/markup-compatibility/2006" xmlns:p14="http://schemas.microsoft.com/office/powerpoint/2010/main">
+    <mc:Choice Requires="p14">
+      <p:transition spd="med" p14:dur="700">
+        <p:fade/>
+      </p:transition>
+    </mc:Choice>
+    <mc:Fallback xmlns="">
+      <p:transition spd="med">
+        <p:fade/>
+      </p:transition>
+    </mc:Fallback>
+  </mc:AlternateContent>
+  <p:timing>
+    <p:tnLst>
+      <p:par>
+        <p:cTn id="1" dur="indefinite" restart="never" nodeType="tmRoot"/>
+      </p:par>
+    </p:tnLst>
+  </p:timing>
+</p:sld>
+</file>
+
+<file path=ppt/slides/slide13.xml><?xml version="1.0" encoding="utf-8"?>
+<p:sld xmlns:a="http://schemas.openxmlformats.org/drawingml/2006/main" xmlns:r="http://schemas.openxmlformats.org/officeDocument/2006/relationships" xmlns:p="http://schemas.openxmlformats.org/presentationml/2006/main">
+  <p:cSld>
+    <p:spTree>
+      <p:nvGrpSpPr>
+        <p:cNvPr id="1" name=""/>
+        <p:cNvGrpSpPr/>
+        <p:nvPr/>
+      </p:nvGrpSpPr>
+      <p:grpSpPr>
+        <a:xfrm>
+          <a:off x="0" y="0"/>
+          <a:ext cx="0" cy="0"/>
+          <a:chOff x="0" y="0"/>
+          <a:chExt cx="0" cy="0"/>
+        </a:xfrm>
+      </p:grpSpPr>
+      <p:sp>
+        <p:nvSpPr>
+          <p:cNvPr id="3" name="Title 2">
+            <a:extLst>
+              <a:ext uri="{FF2B5EF4-FFF2-40B4-BE49-F238E27FC236}">
+                <a16:creationId xmlns:a16="http://schemas.microsoft.com/office/drawing/2014/main" xmlns="" id="{EA211189-7E86-4A7E-9C06-FD71B2F449B5}"/>
+              </a:ext>
+            </a:extLst>
+          </p:cNvPr>
+          <p:cNvSpPr>
+            <a:spLocks noGrp="1"/>
+          </p:cNvSpPr>
+          <p:nvPr>
+            <p:ph type="title"/>
+          </p:nvPr>
+        </p:nvSpPr>
+        <p:spPr/>
+        <p:txBody>
+          <a:bodyPr/>
+          <a:lstStyle/>
+          <a:p>
+            <a:r>
+              <a:rPr lang="tr-TR" dirty="0" smtClean="0">
+                <a:solidFill>
+                  <a:srgbClr val="90C226"/>
+                </a:solidFill>
+              </a:rPr>
+              <a:t>DEV ENV W/ DOCKER</a:t>
+            </a:r>
+            <a:endParaRPr lang="en-CA" dirty="0">
+              <a:solidFill>
+                <a:srgbClr val="90C226"/>
+              </a:solidFill>
+            </a:endParaRPr>
+          </a:p>
+        </p:txBody>
+      </p:sp>
+      <p:sp>
+        <p:nvSpPr>
+          <p:cNvPr id="6" name="Dikdörtgen 5"/>
+          <p:cNvSpPr/>
+          <p:nvPr/>
+        </p:nvSpPr>
+        <p:spPr>
+          <a:xfrm>
+            <a:off x="189470" y="1458097"/>
+            <a:ext cx="11744067" cy="2462213"/>
+          </a:xfrm>
+          <a:prstGeom prst="rect">
+            <a:avLst/>
+          </a:prstGeom>
+        </p:spPr>
+        <p:txBody>
+          <a:bodyPr wrap="square">
+            <a:spAutoFit/>
+          </a:bodyPr>
+          <a:lstStyle/>
+          <a:p>
+            <a:r>
+              <a:rPr lang="en-US" sz="1400" dirty="0" err="1"/>
+              <a:t>docker</a:t>
+            </a:r>
+            <a:r>
+              <a:rPr lang="en-US" sz="1400" dirty="0"/>
+              <a:t> run -d --name </a:t>
+            </a:r>
+            <a:r>
+              <a:rPr lang="en-US" sz="1400" b="1" dirty="0"/>
+              <a:t>zookeeper</a:t>
+            </a:r>
+            <a:r>
+              <a:rPr lang="en-US" sz="1400" dirty="0"/>
+              <a:t> -p 2181:2181 </a:t>
+            </a:r>
+            <a:r>
+              <a:rPr lang="en-US" sz="1400" dirty="0" err="1"/>
+              <a:t>jplock</a:t>
+            </a:r>
+            <a:r>
+              <a:rPr lang="en-US" sz="1400" dirty="0"/>
+              <a:t>/zookeeper </a:t>
+            </a:r>
+          </a:p>
+          <a:p>
+            <a:r>
+              <a:rPr lang="en-US" sz="1400" dirty="0" err="1"/>
+              <a:t>docker</a:t>
+            </a:r>
+            <a:r>
+              <a:rPr lang="en-US" sz="1400" dirty="0"/>
+              <a:t> run -d --name </a:t>
+            </a:r>
+            <a:r>
+              <a:rPr lang="en-US" sz="1400" b="1" dirty="0" err="1"/>
+              <a:t>kafka</a:t>
+            </a:r>
+            <a:r>
+              <a:rPr lang="en-US" sz="1400" dirty="0"/>
+              <a:t> -p 7203:7203 -p 9092:9092 -e KAFKA_ADVERTISED_HOST_NAME=172.31.162.65 -e KAFKA_MESSAGE_MAX_BYTES=3000000 -e KAFKA_REPLICA_FETCH_MAX_BYTES=3100000 -e ZOOKEEPER_IP=172.31.162.65 </a:t>
+            </a:r>
+            <a:r>
+              <a:rPr lang="en-US" sz="1400" dirty="0" err="1"/>
+              <a:t>ches</a:t>
+            </a:r>
+            <a:r>
+              <a:rPr lang="en-US" sz="1400" dirty="0"/>
+              <a:t>/</a:t>
+            </a:r>
+            <a:r>
+              <a:rPr lang="en-US" sz="1400" dirty="0" err="1"/>
+              <a:t>kafka</a:t>
+            </a:r>
+            <a:r>
+              <a:rPr lang="en-US" sz="1400" dirty="0"/>
+              <a:t> </a:t>
+            </a:r>
+          </a:p>
+          <a:p>
+            <a:r>
+              <a:rPr lang="en-US" sz="1400" dirty="0" err="1"/>
+              <a:t>docker</a:t>
+            </a:r>
+            <a:r>
+              <a:rPr lang="en-US" sz="1400" dirty="0"/>
+              <a:t> run --</a:t>
+            </a:r>
+            <a:r>
+              <a:rPr lang="en-US" sz="1400" dirty="0" err="1"/>
+              <a:t>rm</a:t>
+            </a:r>
+            <a:r>
+              <a:rPr lang="en-US" sz="1400" dirty="0"/>
+              <a:t> </a:t>
+            </a:r>
+            <a:r>
+              <a:rPr lang="en-US" sz="1400" dirty="0" err="1"/>
+              <a:t>ches</a:t>
+            </a:r>
+            <a:r>
+              <a:rPr lang="en-US" sz="1400" dirty="0"/>
+              <a:t>/</a:t>
+            </a:r>
+            <a:r>
+              <a:rPr lang="en-US" sz="1400" dirty="0" err="1"/>
+              <a:t>kafka</a:t>
+            </a:r>
+            <a:r>
+              <a:rPr lang="en-US" sz="1400" dirty="0"/>
+              <a:t> </a:t>
+            </a:r>
+            <a:r>
+              <a:rPr lang="en-US" sz="1400" b="1" dirty="0"/>
+              <a:t>kafka-topics.sh --create --topic tags </a:t>
+            </a:r>
+            <a:r>
+              <a:rPr lang="en-US" sz="1400" dirty="0"/>
+              <a:t>--replication-factor 1 --partitions 1 --zookeeper 172.31.162.65:2181 </a:t>
+            </a:r>
+          </a:p>
+          <a:p>
+            <a:r>
+              <a:rPr lang="en-US" sz="1400" dirty="0" err="1"/>
+              <a:t>docker</a:t>
+            </a:r>
+            <a:r>
+              <a:rPr lang="en-US" sz="1400" dirty="0"/>
+              <a:t> run --</a:t>
+            </a:r>
+            <a:r>
+              <a:rPr lang="en-US" sz="1400" dirty="0" err="1"/>
+              <a:t>rm</a:t>
+            </a:r>
+            <a:r>
+              <a:rPr lang="en-US" sz="1400" dirty="0"/>
+              <a:t> </a:t>
+            </a:r>
+            <a:r>
+              <a:rPr lang="en-US" sz="1400" dirty="0" err="1"/>
+              <a:t>ches</a:t>
+            </a:r>
+            <a:r>
+              <a:rPr lang="en-US" sz="1400" dirty="0"/>
+              <a:t>/</a:t>
+            </a:r>
+            <a:r>
+              <a:rPr lang="en-US" sz="1400" dirty="0" err="1"/>
+              <a:t>kafka</a:t>
+            </a:r>
+            <a:r>
+              <a:rPr lang="en-US" sz="1400" dirty="0"/>
+              <a:t> kafka-topics.sh --list --zookeeper 172.31.162.65:2181 </a:t>
+            </a:r>
+          </a:p>
+          <a:p>
+            <a:r>
+              <a:rPr lang="en-US" sz="1400" dirty="0" err="1"/>
+              <a:t>docker</a:t>
+            </a:r>
+            <a:r>
+              <a:rPr lang="en-US" sz="1400" dirty="0"/>
+              <a:t> run --</a:t>
+            </a:r>
+            <a:r>
+              <a:rPr lang="en-US" sz="1400" dirty="0" err="1"/>
+              <a:t>rm</a:t>
+            </a:r>
+            <a:r>
+              <a:rPr lang="en-US" sz="1400" dirty="0"/>
+              <a:t> --interactive </a:t>
+            </a:r>
+            <a:r>
+              <a:rPr lang="en-US" sz="1400" dirty="0" err="1"/>
+              <a:t>ches</a:t>
+            </a:r>
+            <a:r>
+              <a:rPr lang="en-US" sz="1400" dirty="0"/>
+              <a:t>/</a:t>
+            </a:r>
+            <a:r>
+              <a:rPr lang="en-US" sz="1400" dirty="0" err="1"/>
+              <a:t>kafka</a:t>
+            </a:r>
+            <a:r>
+              <a:rPr lang="en-US" sz="1400" dirty="0"/>
+              <a:t> </a:t>
+            </a:r>
+            <a:r>
+              <a:rPr lang="en-US" sz="1400" b="1" dirty="0"/>
+              <a:t>kafka-console-producer.sh --topic tags</a:t>
+            </a:r>
+            <a:r>
+              <a:rPr lang="en-US" sz="1400" dirty="0"/>
+              <a:t> --broker-list 172.31.162.65:9092 </a:t>
+            </a:r>
+          </a:p>
+          <a:p>
+            <a:r>
+              <a:rPr lang="en-US" sz="1400" dirty="0" err="1"/>
+              <a:t>docker</a:t>
+            </a:r>
+            <a:r>
+              <a:rPr lang="en-US" sz="1400" dirty="0"/>
+              <a:t> run --</a:t>
+            </a:r>
+            <a:r>
+              <a:rPr lang="en-US" sz="1400" dirty="0" err="1"/>
+              <a:t>rm</a:t>
+            </a:r>
+            <a:r>
+              <a:rPr lang="en-US" sz="1400" dirty="0"/>
+              <a:t> </a:t>
+            </a:r>
+            <a:r>
+              <a:rPr lang="en-US" sz="1400" dirty="0" err="1"/>
+              <a:t>ches</a:t>
+            </a:r>
+            <a:r>
+              <a:rPr lang="en-US" sz="1400" dirty="0"/>
+              <a:t>/</a:t>
+            </a:r>
+            <a:r>
+              <a:rPr lang="en-US" sz="1400" dirty="0" err="1"/>
+              <a:t>kafka</a:t>
+            </a:r>
+            <a:r>
+              <a:rPr lang="en-US" sz="1400" dirty="0"/>
+              <a:t> </a:t>
+            </a:r>
+            <a:r>
+              <a:rPr lang="en-US" sz="1400" b="1" dirty="0"/>
+              <a:t>kafka-console-consumer.sh --topic tags </a:t>
+            </a:r>
+            <a:r>
+              <a:rPr lang="en-US" sz="1400" dirty="0"/>
+              <a:t>--from-beginning --zookeeper 172.31.162.65:2181 </a:t>
+            </a:r>
+          </a:p>
+          <a:p>
+            <a:r>
+              <a:rPr lang="en-US" sz="1400" dirty="0" err="1"/>
+              <a:t>docker</a:t>
+            </a:r>
+            <a:r>
+              <a:rPr lang="en-US" sz="1400" dirty="0"/>
+              <a:t> run --</a:t>
+            </a:r>
+            <a:r>
+              <a:rPr lang="en-US" sz="1400" dirty="0" err="1"/>
+              <a:t>rm</a:t>
+            </a:r>
+            <a:r>
+              <a:rPr lang="en-US" sz="1400" dirty="0"/>
+              <a:t> --interactive </a:t>
+            </a:r>
+            <a:r>
+              <a:rPr lang="en-US" sz="1400" dirty="0" err="1"/>
+              <a:t>ches</a:t>
+            </a:r>
+            <a:r>
+              <a:rPr lang="en-US" sz="1400" dirty="0"/>
+              <a:t>/</a:t>
+            </a:r>
+            <a:r>
+              <a:rPr lang="en-US" sz="1400" dirty="0" err="1"/>
+              <a:t>kafka</a:t>
+            </a:r>
+            <a:r>
+              <a:rPr lang="en-US" sz="1400" dirty="0"/>
+              <a:t> kafka-consumer-groups.sh --new-consumer --describe --group group1 --bootstrap-server 172.31.162.65:9092 </a:t>
+            </a:r>
+            <a:endParaRPr lang="tr-TR" sz="1400" dirty="0" smtClean="0"/>
+          </a:p>
+          <a:p>
+            <a:endParaRPr lang="tr-TR" sz="1400" dirty="0"/>
+          </a:p>
+          <a:p>
+            <a:r>
+              <a:rPr lang="en-US" sz="1400" dirty="0"/>
+              <a:t>https://</a:t>
+            </a:r>
+            <a:r>
+              <a:rPr lang="en-US" sz="1400" dirty="0" smtClean="0"/>
+              <a:t>github.com/ches/docker-kafka</a:t>
+            </a:r>
+            <a:endParaRPr lang="en-US" sz="1400" dirty="0"/>
+          </a:p>
+        </p:txBody>
+      </p:sp>
+    </p:spTree>
+    <p:extLst>
+      <p:ext uri="{BB962C8B-B14F-4D97-AF65-F5344CB8AC3E}">
+        <p14:creationId xmlns:p14="http://schemas.microsoft.com/office/powerpoint/2010/main" val="405165521"/>
+      </p:ext>
+    </p:extLst>
+  </p:cSld>
+  <p:clrMapOvr>
+    <a:masterClrMapping/>
+  </p:clrMapOvr>
+  <mc:AlternateContent xmlns:mc="http://schemas.openxmlformats.org/markup-compatibility/2006" xmlns:p14="http://schemas.microsoft.com/office/powerpoint/2010/main">
+    <mc:Choice Requires="p14">
+      <p:transition spd="med" p14:dur="700">
+        <p:fade/>
+      </p:transition>
+    </mc:Choice>
+    <mc:Fallback xmlns="">
+      <p:transition spd="med">
+        <p:fade/>
+      </p:transition>
+    </mc:Fallback>
+  </mc:AlternateContent>
+  <p:timing>
+    <p:tnLst>
+      <p:par>
+        <p:cTn id="1" dur="indefinite" restart="never" nodeType="tmRoot"/>
+      </p:par>
+    </p:tnLst>
+  </p:timing>
+</p:sld>
+</file>
+
+<file path=ppt/slides/slide14.xml><?xml version="1.0" encoding="utf-8"?>
+<p:sld xmlns:a="http://schemas.openxmlformats.org/drawingml/2006/main" xmlns:r="http://schemas.openxmlformats.org/officeDocument/2006/relationships" xmlns:p="http://schemas.openxmlformats.org/presentationml/2006/main">
+  <p:cSld>
+    <p:spTree>
+      <p:nvGrpSpPr>
+        <p:cNvPr id="1" name=""/>
+        <p:cNvGrpSpPr/>
+        <p:nvPr/>
+      </p:nvGrpSpPr>
+      <p:grpSpPr>
+        <a:xfrm>
+          <a:off x="0" y="0"/>
+          <a:ext cx="0" cy="0"/>
+          <a:chOff x="0" y="0"/>
+          <a:chExt cx="0" cy="0"/>
+        </a:xfrm>
+      </p:grpSpPr>
+      <p:sp>
+        <p:nvSpPr>
+          <p:cNvPr id="3" name="Title 2">
+            <a:extLst>
+              <a:ext uri="{FF2B5EF4-FFF2-40B4-BE49-F238E27FC236}">
+                <a16:creationId xmlns:a16="http://schemas.microsoft.com/office/drawing/2014/main" xmlns="" id="{EA211189-7E86-4A7E-9C06-FD71B2F449B5}"/>
+              </a:ext>
+            </a:extLst>
+          </p:cNvPr>
+          <p:cNvSpPr>
+            <a:spLocks noGrp="1"/>
+          </p:cNvSpPr>
+          <p:nvPr>
+            <p:ph type="title"/>
+          </p:nvPr>
+        </p:nvSpPr>
+        <p:spPr/>
+        <p:txBody>
+          <a:bodyPr/>
+          <a:lstStyle/>
+          <a:p>
+            <a:r>
+              <a:rPr lang="tr-TR" dirty="0" smtClean="0">
+                <a:solidFill>
+                  <a:srgbClr val="90C226"/>
+                </a:solidFill>
+              </a:rPr>
+              <a:t>BUILD-IN SCRIPTS</a:t>
+            </a:r>
+            <a:endParaRPr lang="en-CA" dirty="0">
+              <a:solidFill>
+                <a:srgbClr val="90C226"/>
+              </a:solidFill>
+            </a:endParaRPr>
+          </a:p>
+        </p:txBody>
+      </p:sp>
+      <p:pic>
+        <p:nvPicPr>
+          <p:cNvPr id="4" name="Resim 3"/>
+          <p:cNvPicPr>
+            <a:picLocks noChangeAspect="1"/>
+          </p:cNvPicPr>
+          <p:nvPr/>
+        </p:nvPicPr>
+        <p:blipFill>
+          <a:blip r:embed="rId3"/>
+          <a:stretch>
+            <a:fillRect/>
+          </a:stretch>
+        </p:blipFill>
+        <p:spPr>
+          <a:xfrm>
+            <a:off x="278028" y="1392237"/>
+            <a:ext cx="11125200" cy="1076325"/>
+          </a:xfrm>
+          <a:prstGeom prst="rect">
+            <a:avLst/>
+          </a:prstGeom>
+        </p:spPr>
+      </p:pic>
+      <p:pic>
+        <p:nvPicPr>
+          <p:cNvPr id="5" name="Resim 4"/>
+          <p:cNvPicPr>
+            <a:picLocks noChangeAspect="1"/>
+          </p:cNvPicPr>
+          <p:nvPr/>
+        </p:nvPicPr>
+        <p:blipFill>
+          <a:blip r:embed="rId4"/>
+          <a:stretch>
+            <a:fillRect/>
+          </a:stretch>
+        </p:blipFill>
+        <p:spPr>
+          <a:xfrm>
+            <a:off x="-1" y="3661616"/>
+            <a:ext cx="12192000" cy="1056196"/>
+          </a:xfrm>
+          <a:prstGeom prst="rect">
+            <a:avLst/>
+          </a:prstGeom>
+        </p:spPr>
+      </p:pic>
+      <p:sp>
+        <p:nvSpPr>
+          <p:cNvPr id="6" name="Dikdörtgen 5"/>
+          <p:cNvSpPr/>
+          <p:nvPr/>
+        </p:nvSpPr>
+        <p:spPr>
+          <a:xfrm>
+            <a:off x="258462" y="2695757"/>
+            <a:ext cx="11675075" cy="738664"/>
+          </a:xfrm>
+          <a:prstGeom prst="rect">
+            <a:avLst/>
+          </a:prstGeom>
+        </p:spPr>
+        <p:txBody>
+          <a:bodyPr wrap="square">
+            <a:spAutoFit/>
+          </a:bodyPr>
+          <a:lstStyle/>
+          <a:p>
+            <a:r>
+              <a:rPr lang="en-US" sz="1400" dirty="0" err="1"/>
+              <a:t>docker</a:t>
+            </a:r>
+            <a:r>
+              <a:rPr lang="en-US" sz="1400" dirty="0"/>
+              <a:t> run --</a:t>
+            </a:r>
+            <a:r>
+              <a:rPr lang="en-US" sz="1400" dirty="0" err="1"/>
+              <a:t>rm</a:t>
+            </a:r>
+            <a:r>
+              <a:rPr lang="en-US" sz="1400" dirty="0"/>
+              <a:t> </a:t>
+            </a:r>
+            <a:r>
+              <a:rPr lang="en-US" sz="1400" dirty="0" err="1"/>
+              <a:t>ches</a:t>
+            </a:r>
+            <a:r>
+              <a:rPr lang="en-US" sz="1400" dirty="0"/>
+              <a:t>/</a:t>
+            </a:r>
+            <a:r>
+              <a:rPr lang="en-US" sz="1400" dirty="0" err="1"/>
+              <a:t>kafka</a:t>
+            </a:r>
+            <a:r>
+              <a:rPr lang="en-US" sz="1400" dirty="0"/>
+              <a:t> </a:t>
+            </a:r>
+            <a:r>
+              <a:rPr lang="en-US" sz="1400" dirty="0">
+                <a:solidFill>
+                  <a:srgbClr val="FF0000"/>
+                </a:solidFill>
+              </a:rPr>
+              <a:t>kafka-topics.sh</a:t>
+            </a:r>
+            <a:r>
+              <a:rPr lang="en-US" sz="1400" dirty="0"/>
+              <a:t> --create --topic tagsPart3 --replication-factor 1 --partitions 3 --zookeeper 172.31.162.65:2181 </a:t>
+            </a:r>
+            <a:endParaRPr lang="tr-TR" sz="1400" dirty="0" smtClean="0"/>
+          </a:p>
+          <a:p>
+            <a:endParaRPr lang="tr-TR" sz="1400" dirty="0"/>
+          </a:p>
+          <a:p>
+            <a:r>
+              <a:rPr lang="en-US" sz="1400" dirty="0" err="1"/>
+              <a:t>docker</a:t>
+            </a:r>
+            <a:r>
+              <a:rPr lang="en-US" sz="1400" dirty="0"/>
+              <a:t> run --</a:t>
+            </a:r>
+            <a:r>
+              <a:rPr lang="en-US" sz="1400" dirty="0" err="1"/>
+              <a:t>rm</a:t>
+            </a:r>
+            <a:r>
+              <a:rPr lang="en-US" sz="1400" dirty="0"/>
+              <a:t> </a:t>
+            </a:r>
+            <a:r>
+              <a:rPr lang="en-US" sz="1400" dirty="0" err="1" smtClean="0"/>
+              <a:t>ches</a:t>
+            </a:r>
+            <a:r>
+              <a:rPr lang="en-US" sz="1400" dirty="0" smtClean="0"/>
+              <a:t>/</a:t>
+            </a:r>
+            <a:r>
+              <a:rPr lang="en-US" sz="1400" dirty="0" err="1" smtClean="0"/>
+              <a:t>kafka</a:t>
+            </a:r>
+            <a:r>
+              <a:rPr lang="en-US" sz="1400" dirty="0" smtClean="0"/>
+              <a:t> </a:t>
+            </a:r>
+            <a:r>
+              <a:rPr lang="en-US" sz="1400" dirty="0">
+                <a:solidFill>
+                  <a:srgbClr val="FF0000"/>
+                </a:solidFill>
+              </a:rPr>
+              <a:t>kafka-consumer-groups.sh</a:t>
+            </a:r>
+            <a:r>
+              <a:rPr lang="en-US" sz="1400" dirty="0"/>
+              <a:t> --new-consumer --describe --group group1  --bootstrap-server 172.31.162.65:9092 </a:t>
+            </a:r>
+          </a:p>
+        </p:txBody>
+      </p:sp>
+    </p:spTree>
+    <p:extLst>
+      <p:ext uri="{BB962C8B-B14F-4D97-AF65-F5344CB8AC3E}">
+        <p14:creationId xmlns:p14="http://schemas.microsoft.com/office/powerpoint/2010/main" val="700023471"/>
+      </p:ext>
+    </p:extLst>
+  </p:cSld>
+  <p:clrMapOvr>
+    <a:masterClrMapping/>
+  </p:clrMapOvr>
+  <mc:AlternateContent xmlns:mc="http://schemas.openxmlformats.org/markup-compatibility/2006" xmlns:p14="http://schemas.microsoft.com/office/powerpoint/2010/main">
+    <mc:Choice Requires="p14">
+      <p:transition spd="med" p14:dur="700">
+        <p:fade/>
+      </p:transition>
+    </mc:Choice>
+    <mc:Fallback xmlns="">
+      <p:transition spd="med">
+        <p:fade/>
+      </p:transition>
+    </mc:Fallback>
+  </mc:AlternateContent>
+  <p:timing>
+    <p:tnLst>
+      <p:par>
+        <p:cTn id="1" dur="indefinite" restart="never" nodeType="tmRoot"/>
+      </p:par>
+    </p:tnLst>
+  </p:timing>
+</p:sld>
+</file>
+
+<file path=ppt/slides/slide15.xml><?xml version="1.0" encoding="utf-8"?>
+<p:sld xmlns:a="http://schemas.openxmlformats.org/drawingml/2006/main" xmlns:r="http://schemas.openxmlformats.org/officeDocument/2006/relationships" xmlns:p="http://schemas.openxmlformats.org/presentationml/2006/main">
+  <p:cSld>
+    <p:spTree>
+      <p:nvGrpSpPr>
+        <p:cNvPr id="1" name=""/>
+        <p:cNvGrpSpPr/>
+        <p:nvPr/>
+      </p:nvGrpSpPr>
+      <p:grpSpPr>
+        <a:xfrm>
+          <a:off x="0" y="0"/>
+          <a:ext cx="0" cy="0"/>
+          <a:chOff x="0" y="0"/>
+          <a:chExt cx="0" cy="0"/>
+        </a:xfrm>
+      </p:grpSpPr>
+      <p:sp>
+        <p:nvSpPr>
+          <p:cNvPr id="3" name="Title 2">
+            <a:extLst>
+              <a:ext uri="{FF2B5EF4-FFF2-40B4-BE49-F238E27FC236}">
+                <a16:creationId xmlns:a16="http://schemas.microsoft.com/office/drawing/2014/main" xmlns="" id="{EA211189-7E86-4A7E-9C06-FD71B2F449B5}"/>
+              </a:ext>
+            </a:extLst>
+          </p:cNvPr>
+          <p:cNvSpPr>
+            <a:spLocks noGrp="1"/>
+          </p:cNvSpPr>
+          <p:nvPr>
+            <p:ph type="title"/>
+          </p:nvPr>
+        </p:nvSpPr>
+        <p:spPr/>
+        <p:txBody>
+          <a:bodyPr/>
+          <a:lstStyle/>
+          <a:p>
+            <a:r>
+              <a:rPr lang="en-CA" dirty="0" err="1">
+                <a:solidFill>
+                  <a:srgbClr val="90C226"/>
+                </a:solidFill>
+              </a:rPr>
+              <a:t>kafkacat</a:t>
+            </a:r>
+            <a:endParaRPr lang="en-CA" dirty="0">
+              <a:solidFill>
+                <a:srgbClr val="90C226"/>
+              </a:solidFill>
+            </a:endParaRPr>
+          </a:p>
+        </p:txBody>
+      </p:sp>
+      <p:sp>
+        <p:nvSpPr>
+          <p:cNvPr id="6" name="Dikdörtgen 5"/>
+          <p:cNvSpPr/>
+          <p:nvPr/>
+        </p:nvSpPr>
+        <p:spPr>
+          <a:xfrm>
+            <a:off x="332603" y="1517746"/>
+            <a:ext cx="11675075" cy="738664"/>
+          </a:xfrm>
+          <a:prstGeom prst="rect">
+            <a:avLst/>
+          </a:prstGeom>
+        </p:spPr>
+        <p:txBody>
+          <a:bodyPr wrap="square">
+            <a:spAutoFit/>
+          </a:bodyPr>
+          <a:lstStyle/>
+          <a:p>
+            <a:r>
+              <a:rPr lang="tr-TR" sz="1400" dirty="0"/>
+              <a:t>https://github.com/edenhill/kafkacat</a:t>
+            </a:r>
+          </a:p>
+          <a:p>
+            <a:endParaRPr lang="tr-TR" sz="1400" dirty="0" smtClean="0"/>
+          </a:p>
+          <a:p>
+            <a:r>
+              <a:rPr lang="en-US" sz="1400" dirty="0" err="1" smtClean="0"/>
+              <a:t>docker</a:t>
+            </a:r>
+            <a:r>
+              <a:rPr lang="en-US" sz="1400" dirty="0" smtClean="0"/>
+              <a:t> </a:t>
+            </a:r>
+            <a:r>
+              <a:rPr lang="en-US" sz="1400" dirty="0"/>
+              <a:t>run --</a:t>
+            </a:r>
+            <a:r>
+              <a:rPr lang="en-US" sz="1400" dirty="0" err="1"/>
+              <a:t>tty</a:t>
+            </a:r>
+            <a:r>
+              <a:rPr lang="en-US" sz="1400" dirty="0"/>
+              <a:t> --interactive --</a:t>
+            </a:r>
+            <a:r>
+              <a:rPr lang="en-US" sz="1400" dirty="0" err="1"/>
+              <a:t>rm</a:t>
+            </a:r>
+            <a:r>
+              <a:rPr lang="en-US" sz="1400" dirty="0"/>
+              <a:t> </a:t>
+            </a:r>
+            <a:r>
+              <a:rPr lang="en-US" sz="1400" dirty="0" err="1"/>
+              <a:t>confluentinc</a:t>
+            </a:r>
+            <a:r>
+              <a:rPr lang="en-US" sz="1400" dirty="0"/>
+              <a:t>/</a:t>
+            </a:r>
+            <a:r>
+              <a:rPr lang="en-US" sz="1400" dirty="0" err="1"/>
+              <a:t>cp-kafkacat</a:t>
+            </a:r>
+            <a:r>
+              <a:rPr lang="en-US" sz="1400" dirty="0"/>
+              <a:t> </a:t>
+            </a:r>
+            <a:r>
+              <a:rPr lang="en-US" sz="1400" dirty="0" err="1"/>
+              <a:t>kafkacat</a:t>
+            </a:r>
+            <a:r>
+              <a:rPr lang="en-US" sz="1400" dirty="0"/>
+              <a:t> -b 172.31.162.65:9092 -L</a:t>
+            </a:r>
+          </a:p>
+        </p:txBody>
+      </p:sp>
+      <p:pic>
+        <p:nvPicPr>
+          <p:cNvPr id="2" name="Resim 1"/>
+          <p:cNvPicPr>
+            <a:picLocks noChangeAspect="1"/>
+          </p:cNvPicPr>
+          <p:nvPr/>
+        </p:nvPicPr>
+        <p:blipFill>
+          <a:blip r:embed="rId3"/>
+          <a:stretch>
+            <a:fillRect/>
+          </a:stretch>
+        </p:blipFill>
+        <p:spPr>
+          <a:xfrm>
+            <a:off x="332603" y="2334912"/>
+            <a:ext cx="7924800" cy="2171700"/>
+          </a:xfrm>
+          <a:prstGeom prst="rect">
+            <a:avLst/>
+          </a:prstGeom>
+        </p:spPr>
+      </p:pic>
+      <p:sp>
+        <p:nvSpPr>
+          <p:cNvPr id="8" name="Dikdörtgen 7"/>
+          <p:cNvSpPr/>
+          <p:nvPr/>
+        </p:nvSpPr>
+        <p:spPr>
+          <a:xfrm>
+            <a:off x="332603" y="4898152"/>
+            <a:ext cx="11675075" cy="738664"/>
+          </a:xfrm>
+          <a:prstGeom prst="rect">
+            <a:avLst/>
+          </a:prstGeom>
+        </p:spPr>
+        <p:txBody>
+          <a:bodyPr wrap="square">
+            <a:spAutoFit/>
+          </a:bodyPr>
+          <a:lstStyle/>
+          <a:p>
+            <a:r>
+              <a:rPr lang="tr-TR" sz="1400" dirty="0" err="1" smtClean="0"/>
+              <a:t>Creatiion</a:t>
+            </a:r>
+            <a:r>
+              <a:rPr lang="tr-TR" sz="1400" dirty="0" smtClean="0"/>
+              <a:t> New </a:t>
+            </a:r>
+            <a:r>
+              <a:rPr lang="tr-TR" sz="1400" dirty="0" err="1" smtClean="0"/>
+              <a:t>Tag</a:t>
+            </a:r>
+            <a:r>
+              <a:rPr lang="tr-TR" sz="1400" dirty="0" smtClean="0"/>
+              <a:t>;</a:t>
+            </a:r>
+          </a:p>
+          <a:p>
+            <a:endParaRPr lang="tr-TR" sz="1400" dirty="0" smtClean="0"/>
+          </a:p>
+          <a:p>
+            <a:r>
+              <a:rPr lang="en-US" sz="1400" dirty="0" err="1" smtClean="0"/>
+              <a:t>docker</a:t>
+            </a:r>
+            <a:r>
+              <a:rPr lang="en-US" sz="1400" dirty="0" smtClean="0"/>
+              <a:t> </a:t>
+            </a:r>
+            <a:r>
+              <a:rPr lang="en-US" sz="1400" dirty="0"/>
+              <a:t>run --interactive --</a:t>
+            </a:r>
+            <a:r>
+              <a:rPr lang="en-US" sz="1400" dirty="0" err="1"/>
+              <a:t>rm</a:t>
+            </a:r>
+            <a:r>
+              <a:rPr lang="en-US" sz="1400" dirty="0"/>
+              <a:t> </a:t>
+            </a:r>
+            <a:r>
+              <a:rPr lang="en-US" sz="1400" dirty="0" err="1"/>
+              <a:t>confluentinc</a:t>
+            </a:r>
+            <a:r>
+              <a:rPr lang="en-US" sz="1400" dirty="0"/>
+              <a:t>/</a:t>
+            </a:r>
+            <a:r>
+              <a:rPr lang="en-US" sz="1400" dirty="0" err="1"/>
+              <a:t>cp-kafkacat</a:t>
+            </a:r>
+            <a:r>
+              <a:rPr lang="en-US" sz="1400" dirty="0"/>
+              <a:t> </a:t>
+            </a:r>
+            <a:r>
+              <a:rPr lang="en-US" sz="1400" dirty="0" err="1"/>
+              <a:t>kafkacat</a:t>
+            </a:r>
+            <a:r>
+              <a:rPr lang="en-US" sz="1400" dirty="0"/>
+              <a:t> -b 192.168.20.180:9092 -t tags -K: -P </a:t>
+            </a:r>
+          </a:p>
+        </p:txBody>
+      </p:sp>
+    </p:spTree>
+    <p:extLst>
+      <p:ext uri="{BB962C8B-B14F-4D97-AF65-F5344CB8AC3E}">
+        <p14:creationId xmlns:p14="http://schemas.microsoft.com/office/powerpoint/2010/main" val="2777413471"/>
+      </p:ext>
+    </p:extLst>
+  </p:cSld>
+  <p:clrMapOvr>
+    <a:masterClrMapping/>
+  </p:clrMapOvr>
+  <mc:AlternateContent xmlns:mc="http://schemas.openxmlformats.org/markup-compatibility/2006" xmlns:p14="http://schemas.microsoft.com/office/powerpoint/2010/main">
+    <mc:Choice Requires="p14">
+      <p:transition spd="med" p14:dur="700">
+        <p:fade/>
+      </p:transition>
+    </mc:Choice>
+    <mc:Fallback xmlns="">
+      <p:transition spd="med">
+        <p:fade/>
+      </p:transition>
+    </mc:Fallback>
+  </mc:AlternateContent>
+  <p:timing>
+    <p:tnLst>
+      <p:par>
+        <p:cTn id="1" dur="indefinite" restart="never" nodeType="tmRoot"/>
+      </p:par>
+    </p:tnLst>
+  </p:timing>
+</p:sld>
+</file>
+
+<file path=ppt/slides/slide16.xml><?xml version="1.0" encoding="utf-8"?>
+<p:sld xmlns:a="http://schemas.openxmlformats.org/drawingml/2006/main" xmlns:r="http://schemas.openxmlformats.org/officeDocument/2006/relationships" xmlns:p="http://schemas.openxmlformats.org/presentationml/2006/main">
+  <p:cSld>
+    <p:spTree>
+      <p:nvGrpSpPr>
+        <p:cNvPr id="1" name=""/>
+        <p:cNvGrpSpPr/>
+        <p:nvPr/>
+      </p:nvGrpSpPr>
+      <p:grpSpPr>
+        <a:xfrm>
+          <a:off x="0" y="0"/>
+          <a:ext cx="0" cy="0"/>
+          <a:chOff x="0" y="0"/>
+          <a:chExt cx="0" cy="0"/>
+        </a:xfrm>
+      </p:grpSpPr>
+      <p:sp>
+        <p:nvSpPr>
           <p:cNvPr id="4" name="Content Placeholder 2">
             <a:extLst>
               <a:ext uri="{FF2B5EF4-FFF2-40B4-BE49-F238E27FC236}">
-                <a16:creationId xmlns="" xmlns:a16="http://schemas.microsoft.com/office/drawing/2014/main" id="{7019A0A9-E403-4795-9F88-DB86835D1E73}"/>
+                <a16:creationId xmlns:a16="http://schemas.microsoft.com/office/drawing/2014/main" xmlns="" id="{7019A0A9-E403-4795-9F88-DB86835D1E73}"/>
               </a:ext>
             </a:extLst>
           </p:cNvPr>
@@ -7715,7 +10268,7 @@
           <p:cNvPr id="3" name="Title 2">
             <a:extLst>
               <a:ext uri="{FF2B5EF4-FFF2-40B4-BE49-F238E27FC236}">
-                <a16:creationId xmlns="" xmlns:a16="http://schemas.microsoft.com/office/drawing/2014/main" id="{EA211189-7E86-4A7E-9C06-FD71B2F449B5}"/>
+                <a16:creationId xmlns:a16="http://schemas.microsoft.com/office/drawing/2014/main" xmlns="" id="{EA211189-7E86-4A7E-9C06-FD71B2F449B5}"/>
               </a:ext>
             </a:extLst>
           </p:cNvPr>
@@ -7752,7 +10305,7 @@
           <p:cNvPr id="15" name="Content Placeholder 2">
             <a:extLst>
               <a:ext uri="{FF2B5EF4-FFF2-40B4-BE49-F238E27FC236}">
-                <a16:creationId xmlns="" xmlns:a16="http://schemas.microsoft.com/office/drawing/2014/main" id="{7019A0A9-E403-4795-9F88-DB86835D1E73}"/>
+                <a16:creationId xmlns:a16="http://schemas.microsoft.com/office/drawing/2014/main" xmlns="" id="{7019A0A9-E403-4795-9F88-DB86835D1E73}"/>
               </a:ext>
             </a:extLst>
           </p:cNvPr>
@@ -8316,7 +10869,7 @@
           <p:cNvPr id="3" name="Title 2">
             <a:extLst>
               <a:ext uri="{FF2B5EF4-FFF2-40B4-BE49-F238E27FC236}">
-                <a16:creationId xmlns="" xmlns:a16="http://schemas.microsoft.com/office/drawing/2014/main" id="{EA211189-7E86-4A7E-9C06-FD71B2F449B5}"/>
+                <a16:creationId xmlns:a16="http://schemas.microsoft.com/office/drawing/2014/main" xmlns="" id="{EA211189-7E86-4A7E-9C06-FD71B2F449B5}"/>
               </a:ext>
             </a:extLst>
           </p:cNvPr>
@@ -8353,7 +10906,7 @@
           <p:cNvPr id="15" name="Content Placeholder 2">
             <a:extLst>
               <a:ext uri="{FF2B5EF4-FFF2-40B4-BE49-F238E27FC236}">
-                <a16:creationId xmlns="" xmlns:a16="http://schemas.microsoft.com/office/drawing/2014/main" id="{7019A0A9-E403-4795-9F88-DB86835D1E73}"/>
+                <a16:creationId xmlns:a16="http://schemas.microsoft.com/office/drawing/2014/main" xmlns="" id="{7019A0A9-E403-4795-9F88-DB86835D1E73}"/>
               </a:ext>
             </a:extLst>
           </p:cNvPr>
@@ -8815,7 +11368,7 @@
           <p:cNvPr id="3" name="Title 2">
             <a:extLst>
               <a:ext uri="{FF2B5EF4-FFF2-40B4-BE49-F238E27FC236}">
-                <a16:creationId xmlns="" xmlns:a16="http://schemas.microsoft.com/office/drawing/2014/main" id="{EA211189-7E86-4A7E-9C06-FD71B2F449B5}"/>
+                <a16:creationId xmlns:a16="http://schemas.microsoft.com/office/drawing/2014/main" xmlns="" id="{EA211189-7E86-4A7E-9C06-FD71B2F449B5}"/>
               </a:ext>
             </a:extLst>
           </p:cNvPr>
@@ -8837,7 +11390,7 @@
                   <a:srgbClr val="90C226"/>
                 </a:solidFill>
               </a:rPr>
-              <a:t>PRODUCERS</a:t>
+              <a:t>REPLICA</a:t>
             </a:r>
             <a:endParaRPr lang="en-CA" dirty="0">
               <a:solidFill>
@@ -8847,12 +11400,169 @@
           </a:p>
         </p:txBody>
       </p:sp>
+      <p:pic>
+        <p:nvPicPr>
+          <p:cNvPr id="4" name="Resim 3"/>
+          <p:cNvPicPr>
+            <a:picLocks noChangeAspect="1"/>
+          </p:cNvPicPr>
+          <p:nvPr/>
+        </p:nvPicPr>
+        <p:blipFill>
+          <a:blip r:embed="rId3"/>
+          <a:stretch>
+            <a:fillRect/>
+          </a:stretch>
+        </p:blipFill>
+        <p:spPr>
+          <a:xfrm>
+            <a:off x="6335382" y="1222632"/>
+            <a:ext cx="5591175" cy="2428875"/>
+          </a:xfrm>
+          <a:prstGeom prst="rect">
+            <a:avLst/>
+          </a:prstGeom>
+        </p:spPr>
+      </p:pic>
+      <p:pic>
+        <p:nvPicPr>
+          <p:cNvPr id="5" name="Resim 4"/>
+          <p:cNvPicPr>
+            <a:picLocks noChangeAspect="1"/>
+          </p:cNvPicPr>
+          <p:nvPr/>
+        </p:nvPicPr>
+        <p:blipFill>
+          <a:blip r:embed="rId4"/>
+          <a:stretch>
+            <a:fillRect/>
+          </a:stretch>
+        </p:blipFill>
+        <p:spPr>
+          <a:xfrm>
+            <a:off x="215342" y="1222632"/>
+            <a:ext cx="4826215" cy="3134311"/>
+          </a:xfrm>
+          <a:prstGeom prst="rect">
+            <a:avLst/>
+          </a:prstGeom>
+        </p:spPr>
+      </p:pic>
+      <p:pic>
+        <p:nvPicPr>
+          <p:cNvPr id="6" name="Resim 5"/>
+          <p:cNvPicPr>
+            <a:picLocks noChangeAspect="1"/>
+          </p:cNvPicPr>
+          <p:nvPr/>
+        </p:nvPicPr>
+        <p:blipFill rotWithShape="1">
+          <a:blip r:embed="rId5"/>
+          <a:srcRect l="4117"/>
+          <a:stretch/>
+        </p:blipFill>
+        <p:spPr>
+          <a:xfrm>
+            <a:off x="6335383" y="3731890"/>
+            <a:ext cx="5591174" cy="3031191"/>
+          </a:xfrm>
+          <a:prstGeom prst="rect">
+            <a:avLst/>
+          </a:prstGeom>
+        </p:spPr>
+      </p:pic>
+    </p:spTree>
+    <p:extLst>
+      <p:ext uri="{BB962C8B-B14F-4D97-AF65-F5344CB8AC3E}">
+        <p14:creationId xmlns:p14="http://schemas.microsoft.com/office/powerpoint/2010/main" val="3351047132"/>
+      </p:ext>
+    </p:extLst>
+  </p:cSld>
+  <p:clrMapOvr>
+    <a:masterClrMapping/>
+  </p:clrMapOvr>
+  <mc:AlternateContent xmlns:mc="http://schemas.openxmlformats.org/markup-compatibility/2006" xmlns:p14="http://schemas.microsoft.com/office/powerpoint/2010/main">
+    <mc:Choice Requires="p14">
+      <p:transition spd="med" p14:dur="700">
+        <p:fade/>
+      </p:transition>
+    </mc:Choice>
+    <mc:Fallback xmlns="">
+      <p:transition spd="med">
+        <p:fade/>
+      </p:transition>
+    </mc:Fallback>
+  </mc:AlternateContent>
+  <p:timing>
+    <p:tnLst>
+      <p:par>
+        <p:cTn id="1" dur="indefinite" restart="never" nodeType="tmRoot"/>
+      </p:par>
+    </p:tnLst>
+  </p:timing>
+</p:sld>
+</file>
+
+<file path=ppt/slides/slide5.xml><?xml version="1.0" encoding="utf-8"?>
+<p:sld xmlns:a="http://schemas.openxmlformats.org/drawingml/2006/main" xmlns:r="http://schemas.openxmlformats.org/officeDocument/2006/relationships" xmlns:p="http://schemas.openxmlformats.org/presentationml/2006/main">
+  <p:cSld>
+    <p:spTree>
+      <p:nvGrpSpPr>
+        <p:cNvPr id="1" name=""/>
+        <p:cNvGrpSpPr/>
+        <p:nvPr/>
+      </p:nvGrpSpPr>
+      <p:grpSpPr>
+        <a:xfrm>
+          <a:off x="0" y="0"/>
+          <a:ext cx="0" cy="0"/>
+          <a:chOff x="0" y="0"/>
+          <a:chExt cx="0" cy="0"/>
+        </a:xfrm>
+      </p:grpSpPr>
+      <p:sp>
+        <p:nvSpPr>
+          <p:cNvPr id="3" name="Title 2">
+            <a:extLst>
+              <a:ext uri="{FF2B5EF4-FFF2-40B4-BE49-F238E27FC236}">
+                <a16:creationId xmlns:a16="http://schemas.microsoft.com/office/drawing/2014/main" xmlns="" id="{EA211189-7E86-4A7E-9C06-FD71B2F449B5}"/>
+              </a:ext>
+            </a:extLst>
+          </p:cNvPr>
+          <p:cNvSpPr>
+            <a:spLocks noGrp="1"/>
+          </p:cNvSpPr>
+          <p:nvPr>
+            <p:ph type="title"/>
+          </p:nvPr>
+        </p:nvSpPr>
+        <p:spPr/>
+        <p:txBody>
+          <a:bodyPr/>
+          <a:lstStyle/>
+          <a:p>
+            <a:r>
+              <a:rPr lang="tr-TR" dirty="0" smtClean="0">
+                <a:solidFill>
+                  <a:srgbClr val="90C226"/>
+                </a:solidFill>
+              </a:rPr>
+              <a:t>PRODUCERS</a:t>
+            </a:r>
+            <a:endParaRPr lang="en-CA" dirty="0">
+              <a:solidFill>
+                <a:srgbClr val="90C226"/>
+              </a:solidFill>
+            </a:endParaRPr>
+          </a:p>
+        </p:txBody>
+      </p:sp>
       <p:sp>
         <p:nvSpPr>
           <p:cNvPr id="15" name="Content Placeholder 2">
             <a:extLst>
               <a:ext uri="{FF2B5EF4-FFF2-40B4-BE49-F238E27FC236}">
-                <a16:creationId xmlns="" xmlns:a16="http://schemas.microsoft.com/office/drawing/2014/main" id="{7019A0A9-E403-4795-9F88-DB86835D1E73}"/>
+                <a16:creationId xmlns:a16="http://schemas.microsoft.com/office/drawing/2014/main" xmlns="" id="{7019A0A9-E403-4795-9F88-DB86835D1E73}"/>
               </a:ext>
             </a:extLst>
           </p:cNvPr>
@@ -9218,7 +11928,7 @@
 </p:sld>
 </file>
 
-<file path=ppt/slides/slide5.xml><?xml version="1.0" encoding="utf-8"?>
+<file path=ppt/slides/slide6.xml><?xml version="1.0" encoding="utf-8"?>
 <p:sld xmlns:a="http://schemas.openxmlformats.org/drawingml/2006/main" xmlns:r="http://schemas.openxmlformats.org/officeDocument/2006/relationships" xmlns:p="http://schemas.openxmlformats.org/presentationml/2006/main">
   <p:cSld>
     <p:spTree>
@@ -9240,7 +11950,7 @@
           <p:cNvPr id="3" name="Title 2">
             <a:extLst>
               <a:ext uri="{FF2B5EF4-FFF2-40B4-BE49-F238E27FC236}">
-                <a16:creationId xmlns="" xmlns:a16="http://schemas.microsoft.com/office/drawing/2014/main" id="{EA211189-7E86-4A7E-9C06-FD71B2F449B5}"/>
+                <a16:creationId xmlns:a16="http://schemas.microsoft.com/office/drawing/2014/main" xmlns="" id="{EA211189-7E86-4A7E-9C06-FD71B2F449B5}"/>
               </a:ext>
             </a:extLst>
           </p:cNvPr>
@@ -9277,7 +11987,7 @@
           <p:cNvPr id="15" name="Content Placeholder 2">
             <a:extLst>
               <a:ext uri="{FF2B5EF4-FFF2-40B4-BE49-F238E27FC236}">
-                <a16:creationId xmlns="" xmlns:a16="http://schemas.microsoft.com/office/drawing/2014/main" id="{7019A0A9-E403-4795-9F88-DB86835D1E73}"/>
+                <a16:creationId xmlns:a16="http://schemas.microsoft.com/office/drawing/2014/main" xmlns="" id="{7019A0A9-E403-4795-9F88-DB86835D1E73}"/>
               </a:ext>
             </a:extLst>
           </p:cNvPr>
@@ -9874,7 +12584,7 @@
 </p:sld>
 </file>
 
-<file path=ppt/slides/slide6.xml><?xml version="1.0" encoding="utf-8"?>
+<file path=ppt/slides/slide7.xml><?xml version="1.0" encoding="utf-8"?>
 <p:sld xmlns:a="http://schemas.openxmlformats.org/drawingml/2006/main" xmlns:r="http://schemas.openxmlformats.org/officeDocument/2006/relationships" xmlns:p="http://schemas.openxmlformats.org/presentationml/2006/main">
   <p:cSld>
     <p:spTree>
@@ -9896,7 +12606,7 @@
           <p:cNvPr id="3" name="Title 2">
             <a:extLst>
               <a:ext uri="{FF2B5EF4-FFF2-40B4-BE49-F238E27FC236}">
-                <a16:creationId xmlns="" xmlns:a16="http://schemas.microsoft.com/office/drawing/2014/main" id="{EA211189-7E86-4A7E-9C06-FD71B2F449B5}"/>
+                <a16:creationId xmlns:a16="http://schemas.microsoft.com/office/drawing/2014/main" xmlns="" id="{EA211189-7E86-4A7E-9C06-FD71B2F449B5}"/>
               </a:ext>
             </a:extLst>
           </p:cNvPr>
@@ -10110,7 +12820,7 @@
 </p:sld>
 </file>
 
-<file path=ppt/slides/slide7.xml><?xml version="1.0" encoding="utf-8"?>
+<file path=ppt/slides/slide8.xml><?xml version="1.0" encoding="utf-8"?>
 <p:sld xmlns:a="http://schemas.openxmlformats.org/drawingml/2006/main" xmlns:r="http://schemas.openxmlformats.org/officeDocument/2006/relationships" xmlns:p="http://schemas.openxmlformats.org/presentationml/2006/main">
   <p:cSld>
     <p:spTree>
@@ -10132,7 +12842,7 @@
           <p:cNvPr id="3" name="Title 2">
             <a:extLst>
               <a:ext uri="{FF2B5EF4-FFF2-40B4-BE49-F238E27FC236}">
-                <a16:creationId xmlns="" xmlns:a16="http://schemas.microsoft.com/office/drawing/2014/main" id="{EA211189-7E86-4A7E-9C06-FD71B2F449B5}"/>
+                <a16:creationId xmlns:a16="http://schemas.microsoft.com/office/drawing/2014/main" xmlns="" id="{EA211189-7E86-4A7E-9C06-FD71B2F449B5}"/>
               </a:ext>
             </a:extLst>
           </p:cNvPr>
@@ -10220,452 +12930,6 @@
 </p:sld>
 </file>
 
-<file path=ppt/slides/slide8.xml><?xml version="1.0" encoding="utf-8"?>
-<p:sld xmlns:a="http://schemas.openxmlformats.org/drawingml/2006/main" xmlns:r="http://schemas.openxmlformats.org/officeDocument/2006/relationships" xmlns:p="http://schemas.openxmlformats.org/presentationml/2006/main">
-  <p:cSld>
-    <p:spTree>
-      <p:nvGrpSpPr>
-        <p:cNvPr id="1" name=""/>
-        <p:cNvGrpSpPr/>
-        <p:nvPr/>
-      </p:nvGrpSpPr>
-      <p:grpSpPr>
-        <a:xfrm>
-          <a:off x="0" y="0"/>
-          <a:ext cx="0" cy="0"/>
-          <a:chOff x="0" y="0"/>
-          <a:chExt cx="0" cy="0"/>
-        </a:xfrm>
-      </p:grpSpPr>
-      <p:sp>
-        <p:nvSpPr>
-          <p:cNvPr id="3" name="Title 2">
-            <a:extLst>
-              <a:ext uri="{FF2B5EF4-FFF2-40B4-BE49-F238E27FC236}">
-                <a16:creationId xmlns="" xmlns:a16="http://schemas.microsoft.com/office/drawing/2014/main" id="{EA211189-7E86-4A7E-9C06-FD71B2F449B5}"/>
-              </a:ext>
-            </a:extLst>
-          </p:cNvPr>
-          <p:cNvSpPr>
-            <a:spLocks noGrp="1"/>
-          </p:cNvSpPr>
-          <p:nvPr>
-            <p:ph type="title"/>
-          </p:nvPr>
-        </p:nvSpPr>
-        <p:spPr/>
-        <p:txBody>
-          <a:bodyPr/>
-          <a:lstStyle/>
-          <a:p>
-            <a:r>
-              <a:rPr lang="tr-TR" dirty="0" smtClean="0">
-                <a:solidFill>
-                  <a:srgbClr val="90C226"/>
-                </a:solidFill>
-              </a:rPr>
-              <a:t>ZOOKEPER</a:t>
-            </a:r>
-            <a:endParaRPr lang="en-CA" dirty="0">
-              <a:solidFill>
-                <a:srgbClr val="90C226"/>
-              </a:solidFill>
-            </a:endParaRPr>
-          </a:p>
-        </p:txBody>
-      </p:sp>
-      <p:sp>
-        <p:nvSpPr>
-          <p:cNvPr id="15" name="Content Placeholder 2">
-            <a:extLst>
-              <a:ext uri="{FF2B5EF4-FFF2-40B4-BE49-F238E27FC236}">
-                <a16:creationId xmlns="" xmlns:a16="http://schemas.microsoft.com/office/drawing/2014/main" id="{7019A0A9-E403-4795-9F88-DB86835D1E73}"/>
-              </a:ext>
-            </a:extLst>
-          </p:cNvPr>
-          <p:cNvSpPr txBox="1">
-            <a:spLocks/>
-          </p:cNvSpPr>
-          <p:nvPr/>
-        </p:nvSpPr>
-        <p:spPr>
-          <a:xfrm>
-            <a:off x="-368873" y="1768955"/>
-            <a:ext cx="8097387" cy="4977833"/>
-          </a:xfrm>
-          <a:prstGeom prst="rect">
-            <a:avLst/>
-          </a:prstGeom>
-        </p:spPr>
-        <p:txBody>
-          <a:bodyPr>
-            <a:noAutofit/>
-          </a:bodyPr>
-          <a:lstStyle>
-            <a:lvl1pPr marL="342900" indent="-342900" algn="l" defTabSz="457200" rtl="0" eaLnBrk="1" latinLnBrk="0" hangingPunct="1">
-              <a:spcBef>
-                <a:spcPts val="1000"/>
-              </a:spcBef>
-              <a:spcAft>
-                <a:spcPts val="0"/>
-              </a:spcAft>
-              <a:buClr>
-                <a:schemeClr val="accent1"/>
-              </a:buClr>
-              <a:buSzPct val="80000"/>
-              <a:buFont typeface="Wingdings 3" charset="2"/>
-              <a:buChar char=""/>
-              <a:defRPr sz="1800" kern="1200">
-                <a:solidFill>
-                  <a:schemeClr val="tx1">
-                    <a:lumMod val="75000"/>
-                    <a:lumOff val="25000"/>
-                  </a:schemeClr>
-                </a:solidFill>
-                <a:latin typeface="+mn-lt"/>
-                <a:ea typeface="+mn-ea"/>
-                <a:cs typeface="+mn-cs"/>
-              </a:defRPr>
-            </a:lvl1pPr>
-            <a:lvl2pPr marL="742950" indent="-285750" algn="l" defTabSz="457200" rtl="0" eaLnBrk="1" latinLnBrk="0" hangingPunct="1">
-              <a:spcBef>
-                <a:spcPts val="1000"/>
-              </a:spcBef>
-              <a:spcAft>
-                <a:spcPts val="0"/>
-              </a:spcAft>
-              <a:buClr>
-                <a:schemeClr val="accent1"/>
-              </a:buClr>
-              <a:buSzPct val="80000"/>
-              <a:buFont typeface="Wingdings 3" charset="2"/>
-              <a:buChar char=""/>
-              <a:defRPr sz="1600" kern="1200">
-                <a:solidFill>
-                  <a:schemeClr val="tx1">
-                    <a:lumMod val="75000"/>
-                    <a:lumOff val="25000"/>
-                  </a:schemeClr>
-                </a:solidFill>
-                <a:latin typeface="+mn-lt"/>
-                <a:ea typeface="+mn-ea"/>
-                <a:cs typeface="+mn-cs"/>
-              </a:defRPr>
-            </a:lvl2pPr>
-            <a:lvl3pPr marL="1143000" indent="-228600" algn="l" defTabSz="457200" rtl="0" eaLnBrk="1" latinLnBrk="0" hangingPunct="1">
-              <a:spcBef>
-                <a:spcPts val="1000"/>
-              </a:spcBef>
-              <a:spcAft>
-                <a:spcPts val="0"/>
-              </a:spcAft>
-              <a:buClr>
-                <a:schemeClr val="accent1"/>
-              </a:buClr>
-              <a:buSzPct val="80000"/>
-              <a:buFont typeface="Wingdings 3" charset="2"/>
-              <a:buChar char=""/>
-              <a:defRPr sz="1400" kern="1200">
-                <a:solidFill>
-                  <a:schemeClr val="tx1">
-                    <a:lumMod val="75000"/>
-                    <a:lumOff val="25000"/>
-                  </a:schemeClr>
-                </a:solidFill>
-                <a:latin typeface="+mn-lt"/>
-                <a:ea typeface="+mn-ea"/>
-                <a:cs typeface="+mn-cs"/>
-              </a:defRPr>
-            </a:lvl3pPr>
-            <a:lvl4pPr marL="1600200" indent="-228600" algn="l" defTabSz="457200" rtl="0" eaLnBrk="1" latinLnBrk="0" hangingPunct="1">
-              <a:spcBef>
-                <a:spcPts val="1000"/>
-              </a:spcBef>
-              <a:spcAft>
-                <a:spcPts val="0"/>
-              </a:spcAft>
-              <a:buClr>
-                <a:schemeClr val="accent1"/>
-              </a:buClr>
-              <a:buSzPct val="80000"/>
-              <a:buFont typeface="Wingdings 3" charset="2"/>
-              <a:buChar char=""/>
-              <a:defRPr sz="1200" kern="1200">
-                <a:solidFill>
-                  <a:schemeClr val="tx1">
-                    <a:lumMod val="75000"/>
-                    <a:lumOff val="25000"/>
-                  </a:schemeClr>
-                </a:solidFill>
-                <a:latin typeface="+mn-lt"/>
-                <a:ea typeface="+mn-ea"/>
-                <a:cs typeface="+mn-cs"/>
-              </a:defRPr>
-            </a:lvl4pPr>
-            <a:lvl5pPr marL="2057400" indent="-228600" algn="l" defTabSz="457200" rtl="0" eaLnBrk="1" latinLnBrk="0" hangingPunct="1">
-              <a:spcBef>
-                <a:spcPts val="1000"/>
-              </a:spcBef>
-              <a:spcAft>
-                <a:spcPts val="0"/>
-              </a:spcAft>
-              <a:buClr>
-                <a:schemeClr val="accent1"/>
-              </a:buClr>
-              <a:buSzPct val="80000"/>
-              <a:buFont typeface="Wingdings 3" charset="2"/>
-              <a:buChar char=""/>
-              <a:defRPr sz="1200" kern="1200">
-                <a:solidFill>
-                  <a:schemeClr val="tx1">
-                    <a:lumMod val="75000"/>
-                    <a:lumOff val="25000"/>
-                  </a:schemeClr>
-                </a:solidFill>
-                <a:latin typeface="+mn-lt"/>
-                <a:ea typeface="+mn-ea"/>
-                <a:cs typeface="+mn-cs"/>
-              </a:defRPr>
-            </a:lvl5pPr>
-            <a:lvl6pPr marL="2514600" indent="-228600" algn="l" defTabSz="457200" rtl="0" eaLnBrk="1" latinLnBrk="0" hangingPunct="1">
-              <a:spcBef>
-                <a:spcPts val="1000"/>
-              </a:spcBef>
-              <a:spcAft>
-                <a:spcPts val="0"/>
-              </a:spcAft>
-              <a:buClr>
-                <a:schemeClr val="accent1"/>
-              </a:buClr>
-              <a:buSzPct val="80000"/>
-              <a:buFont typeface="Wingdings 3" charset="2"/>
-              <a:buChar char=""/>
-              <a:defRPr sz="1200" kern="1200">
-                <a:solidFill>
-                  <a:schemeClr val="tx1">
-                    <a:lumMod val="75000"/>
-                    <a:lumOff val="25000"/>
-                  </a:schemeClr>
-                </a:solidFill>
-                <a:latin typeface="+mn-lt"/>
-                <a:ea typeface="+mn-ea"/>
-                <a:cs typeface="+mn-cs"/>
-              </a:defRPr>
-            </a:lvl6pPr>
-            <a:lvl7pPr marL="2971800" indent="-228600" algn="l" defTabSz="457200" rtl="0" eaLnBrk="1" latinLnBrk="0" hangingPunct="1">
-              <a:spcBef>
-                <a:spcPts val="1000"/>
-              </a:spcBef>
-              <a:spcAft>
-                <a:spcPts val="0"/>
-              </a:spcAft>
-              <a:buClr>
-                <a:schemeClr val="accent1"/>
-              </a:buClr>
-              <a:buSzPct val="80000"/>
-              <a:buFont typeface="Wingdings 3" charset="2"/>
-              <a:buChar char=""/>
-              <a:defRPr sz="1200" kern="1200">
-                <a:solidFill>
-                  <a:schemeClr val="tx1">
-                    <a:lumMod val="75000"/>
-                    <a:lumOff val="25000"/>
-                  </a:schemeClr>
-                </a:solidFill>
-                <a:latin typeface="+mn-lt"/>
-                <a:ea typeface="+mn-ea"/>
-                <a:cs typeface="+mn-cs"/>
-              </a:defRPr>
-            </a:lvl7pPr>
-            <a:lvl8pPr marL="3429000" indent="-228600" algn="l" defTabSz="457200" rtl="0" eaLnBrk="1" latinLnBrk="0" hangingPunct="1">
-              <a:spcBef>
-                <a:spcPts val="1000"/>
-              </a:spcBef>
-              <a:spcAft>
-                <a:spcPts val="0"/>
-              </a:spcAft>
-              <a:buClr>
-                <a:schemeClr val="accent1"/>
-              </a:buClr>
-              <a:buSzPct val="80000"/>
-              <a:buFont typeface="Wingdings 3" charset="2"/>
-              <a:buChar char=""/>
-              <a:defRPr sz="1200" kern="1200">
-                <a:solidFill>
-                  <a:schemeClr val="tx1">
-                    <a:lumMod val="75000"/>
-                    <a:lumOff val="25000"/>
-                  </a:schemeClr>
-                </a:solidFill>
-                <a:latin typeface="+mn-lt"/>
-                <a:ea typeface="+mn-ea"/>
-                <a:cs typeface="+mn-cs"/>
-              </a:defRPr>
-            </a:lvl8pPr>
-            <a:lvl9pPr marL="3886200" indent="-228600" algn="l" defTabSz="457200" rtl="0" eaLnBrk="1" latinLnBrk="0" hangingPunct="1">
-              <a:spcBef>
-                <a:spcPts val="1000"/>
-              </a:spcBef>
-              <a:spcAft>
-                <a:spcPts val="0"/>
-              </a:spcAft>
-              <a:buClr>
-                <a:schemeClr val="accent1"/>
-              </a:buClr>
-              <a:buSzPct val="80000"/>
-              <a:buFont typeface="Wingdings 3" charset="2"/>
-              <a:buChar char=""/>
-              <a:defRPr sz="1200" kern="1200">
-                <a:solidFill>
-                  <a:schemeClr val="tx1">
-                    <a:lumMod val="75000"/>
-                    <a:lumOff val="25000"/>
-                  </a:schemeClr>
-                </a:solidFill>
-                <a:latin typeface="+mn-lt"/>
-                <a:ea typeface="+mn-ea"/>
-                <a:cs typeface="+mn-cs"/>
-              </a:defRPr>
-            </a:lvl9pPr>
-          </a:lstStyle>
-          <a:p>
-            <a:pPr lvl="1"/>
-            <a:r>
-              <a:rPr lang="en-US" sz="1400" dirty="0"/>
-              <a:t>Kafka needs </a:t>
-            </a:r>
-            <a:r>
-              <a:rPr lang="en-US" sz="1400" dirty="0" err="1"/>
-              <a:t>ZooKeeper</a:t>
-            </a:r>
-            <a:endParaRPr lang="en-US" sz="1400" dirty="0"/>
-          </a:p>
-          <a:p>
-            <a:pPr lvl="1"/>
-            <a:r>
-              <a:rPr lang="en-US" sz="1400" dirty="0" smtClean="0"/>
-              <a:t>Kafka </a:t>
-            </a:r>
-            <a:r>
-              <a:rPr lang="en-US" sz="1400" dirty="0"/>
-              <a:t>uses Zookeeper to do </a:t>
-            </a:r>
-            <a:r>
-              <a:rPr lang="en-US" sz="1400" b="1" dirty="0"/>
-              <a:t>leadership election </a:t>
-            </a:r>
-            <a:r>
-              <a:rPr lang="en-US" sz="1400" dirty="0"/>
-              <a:t>of </a:t>
-            </a:r>
-            <a:r>
-              <a:rPr lang="en-US" sz="1400" dirty="0" smtClean="0"/>
-              <a:t>Broker</a:t>
-            </a:r>
-            <a:r>
-              <a:rPr lang="tr-TR" sz="1400" dirty="0" smtClean="0"/>
-              <a:t>s</a:t>
-            </a:r>
-            <a:r>
-              <a:rPr lang="en-US" sz="1400" dirty="0" smtClean="0"/>
-              <a:t> </a:t>
-            </a:r>
-            <a:r>
-              <a:rPr lang="en-US" sz="1400" dirty="0"/>
-              <a:t>and Topic Partition pairs. </a:t>
-            </a:r>
-          </a:p>
-          <a:p>
-            <a:pPr lvl="1"/>
-            <a:r>
-              <a:rPr lang="en-US" sz="1400" dirty="0" smtClean="0"/>
-              <a:t>Zookeeper </a:t>
-            </a:r>
-            <a:r>
-              <a:rPr lang="en-US" sz="1400" dirty="0"/>
-              <a:t>sends changes of the topology to Kafka, so each node in the cluster knows; </a:t>
-            </a:r>
-          </a:p>
-          <a:p>
-            <a:pPr lvl="2"/>
-            <a:r>
-              <a:rPr lang="en-US" sz="1200" dirty="0" smtClean="0"/>
-              <a:t>when </a:t>
-            </a:r>
-            <a:r>
-              <a:rPr lang="en-US" sz="1200" dirty="0"/>
-              <a:t>a new broker joined, a broker died, a topic was removed or a topic was </a:t>
-            </a:r>
-            <a:r>
-              <a:rPr lang="en-US" sz="1200" dirty="0" smtClean="0"/>
-              <a:t>added</a:t>
-            </a:r>
-            <a:endParaRPr lang="en-US" sz="1200" dirty="0"/>
-          </a:p>
-        </p:txBody>
-      </p:sp>
-      <p:pic>
-        <p:nvPicPr>
-          <p:cNvPr id="4" name="Resim 3"/>
-          <p:cNvPicPr>
-            <a:picLocks noChangeAspect="1"/>
-          </p:cNvPicPr>
-          <p:nvPr/>
-        </p:nvPicPr>
-        <p:blipFill>
-          <a:blip r:embed="rId3">
-            <a:extLst>
-              <a:ext uri="{28A0092B-C50C-407E-A947-70E740481C1C}">
-                <a14:useLocalDpi xmlns:a14="http://schemas.microsoft.com/office/drawing/2010/main" val="0"/>
-              </a:ext>
-            </a:extLst>
-          </a:blip>
-          <a:stretch>
-            <a:fillRect/>
-          </a:stretch>
-        </p:blipFill>
-        <p:spPr>
-          <a:xfrm>
-            <a:off x="2891481" y="3302950"/>
-            <a:ext cx="5945854" cy="3323685"/>
-          </a:xfrm>
-          <a:prstGeom prst="rect">
-            <a:avLst/>
-          </a:prstGeom>
-        </p:spPr>
-      </p:pic>
-    </p:spTree>
-    <p:extLst>
-      <p:ext uri="{BB962C8B-B14F-4D97-AF65-F5344CB8AC3E}">
-        <p14:creationId xmlns:p14="http://schemas.microsoft.com/office/powerpoint/2010/main" val="936456375"/>
-      </p:ext>
-    </p:extLst>
-  </p:cSld>
-  <p:clrMapOvr>
-    <a:masterClrMapping/>
-  </p:clrMapOvr>
-  <mc:AlternateContent xmlns:mc="http://schemas.openxmlformats.org/markup-compatibility/2006" xmlns:p14="http://schemas.microsoft.com/office/powerpoint/2010/main">
-    <mc:Choice Requires="p14">
-      <p:transition spd="med" p14:dur="700">
-        <p:fade/>
-      </p:transition>
-    </mc:Choice>
-    <mc:Fallback xmlns="">
-      <p:transition spd="med">
-        <p:fade/>
-      </p:transition>
-    </mc:Fallback>
-  </mc:AlternateContent>
-  <p:timing>
-    <p:tnLst>
-      <p:par>
-        <p:cTn id="1" dur="indefinite" restart="never" nodeType="tmRoot"/>
-      </p:par>
-    </p:tnLst>
-  </p:timing>
-</p:sld>
-</file>
-
 <file path=ppt/slides/slide9.xml><?xml version="1.0" encoding="utf-8"?>
 <p:sld xmlns:a="http://schemas.openxmlformats.org/drawingml/2006/main" xmlns:r="http://schemas.openxmlformats.org/officeDocument/2006/relationships" xmlns:p="http://schemas.openxmlformats.org/presentationml/2006/main">
   <p:cSld>
@@ -10685,69 +12949,52 @@
       </p:grpSpPr>
       <p:sp>
         <p:nvSpPr>
-          <p:cNvPr id="3" name="Title 2">
+          <p:cNvPr id="8" name="Rectangle 7">
             <a:extLst>
               <a:ext uri="{FF2B5EF4-FFF2-40B4-BE49-F238E27FC236}">
-                <a16:creationId xmlns="" xmlns:a16="http://schemas.microsoft.com/office/drawing/2014/main" id="{EA211189-7E86-4A7E-9C06-FD71B2F449B5}"/>
+                <a16:creationId xmlns:a16="http://schemas.microsoft.com/office/drawing/2014/main" xmlns="" id="{3C585630-0FF8-423E-900A-1A812BE7BD7D}"/>
               </a:ext>
             </a:extLst>
           </p:cNvPr>
-          <p:cNvSpPr>
-            <a:spLocks noGrp="1"/>
-          </p:cNvSpPr>
-          <p:nvPr>
-            <p:ph type="title"/>
-          </p:nvPr>
-        </p:nvSpPr>
-        <p:spPr/>
-        <p:txBody>
-          <a:bodyPr/>
-          <a:lstStyle/>
-          <a:p>
-            <a:r>
-              <a:rPr lang="tr-TR" dirty="0" smtClean="0">
-                <a:solidFill>
-                  <a:srgbClr val="90C226"/>
-                </a:solidFill>
-              </a:rPr>
-              <a:t>CONNECTORS</a:t>
-            </a:r>
-            <a:endParaRPr lang="en-CA" dirty="0">
-              <a:solidFill>
-                <a:srgbClr val="90C226"/>
-              </a:solidFill>
-            </a:endParaRPr>
-          </a:p>
-        </p:txBody>
-      </p:sp>
-      <p:pic>
-        <p:nvPicPr>
-          <p:cNvPr id="2" name="Resim 1"/>
-          <p:cNvPicPr>
-            <a:picLocks noChangeAspect="1"/>
-          </p:cNvPicPr>
+          <p:cNvSpPr/>
           <p:nvPr/>
-        </p:nvPicPr>
-        <p:blipFill>
-          <a:blip r:embed="rId3"/>
-          <a:stretch>
-            <a:fillRect/>
-          </a:stretch>
-        </p:blipFill>
+        </p:nvSpPr>
         <p:spPr>
           <a:xfrm>
-            <a:off x="518983" y="1179384"/>
-            <a:ext cx="7175158" cy="5456176"/>
+            <a:off x="156520" y="2852563"/>
+            <a:ext cx="10735408" cy="646331"/>
           </a:xfrm>
           <a:prstGeom prst="rect">
             <a:avLst/>
           </a:prstGeom>
         </p:spPr>
-      </p:pic>
+        <p:txBody>
+          <a:bodyPr wrap="square">
+            <a:spAutoFit/>
+          </a:bodyPr>
+          <a:lstStyle/>
+          <a:p>
+            <a:pPr algn="ctr"/>
+            <a:r>
+              <a:rPr lang="tr-TR" sz="3600" dirty="0" smtClean="0">
+                <a:solidFill>
+                  <a:schemeClr val="accent2"/>
+                </a:solidFill>
+              </a:rPr>
+              <a:t>CODE</a:t>
+            </a:r>
+            <a:endParaRPr lang="en-CA" sz="3600" dirty="0">
+              <a:solidFill>
+                <a:schemeClr val="accent2"/>
+              </a:solidFill>
+            </a:endParaRPr>
+          </a:p>
+        </p:txBody>
+      </p:sp>
     </p:spTree>
     <p:extLst>
       <p:ext uri="{BB962C8B-B14F-4D97-AF65-F5344CB8AC3E}">
-        <p14:creationId xmlns:p14="http://schemas.microsoft.com/office/powerpoint/2010/main" val="2327321203"/>
+        <p14:creationId xmlns:p14="http://schemas.microsoft.com/office/powerpoint/2010/main" val="1331932544"/>
       </p:ext>
     </p:extLst>
   </p:cSld>
